--- a/docs/apresentacao/Integracao_com_a_Prescricao_Eletronica_do_CFM.pptx
+++ b/docs/apresentacao/Integracao_com_a_Prescricao_Eletronica_do_CFM.pptx
@@ -39,7 +39,7 @@
       <p:boldItalic r:id="rId25"/>
     </p:embeddedFont>
     <p:embeddedFont>
-      <p:font typeface="Montserrat" panose="020B0604020202020204" charset="0"/>
+      <p:font typeface="Montserrat" panose="00000500000000000000" pitchFamily="2" charset="0"/>
       <p:regular r:id="rId26"/>
       <p:bold r:id="rId27"/>
       <p:italic r:id="rId28"/>
@@ -4608,7 +4608,7 @@
               <a:buNone/>
             </a:pPr>
             <a:r>
-              <a:rPr lang="en" b="0" dirty="0" smtClean="0">
+              <a:rPr lang="en" b="0" dirty="0">
                 <a:latin typeface="Aquawax Pro UltraBold" panose="02000003020000020004" pitchFamily="50" charset="0"/>
               </a:rPr>
               <a:t>Integração com a Prescrição Eletrônica do CFM</a:t>
@@ -4652,13 +4652,6 @@
   <p:clrMapOvr>
     <a:masterClrMapping/>
   </p:clrMapOvr>
-  <p:timing>
-    <p:tnLst>
-      <p:par>
-        <p:cTn id="1" dur="indefinite" restart="never" nodeType="tmRoot"/>
-      </p:par>
-    </p:tnLst>
-  </p:timing>
 </p:sld>
 </file>
 
@@ -4754,7 +4747,7 @@
               <a:buNone/>
             </a:pPr>
             <a:r>
-              <a:rPr lang="pt-BR" sz="7200" b="0" dirty="0" smtClean="0">
+              <a:rPr lang="pt-BR" sz="7200" b="0" dirty="0">
                 <a:solidFill>
                   <a:schemeClr val="lt1"/>
                 </a:solidFill>
@@ -4806,7 +4799,7 @@
               <a:buNone/>
             </a:pPr>
             <a:r>
-              <a:rPr lang="en" sz="4000" dirty="0" smtClean="0">
+              <a:rPr lang="en" sz="4000" dirty="0">
                 <a:latin typeface="Aquawax Pro Bold" panose="02000003020000020004" pitchFamily="50" charset="0"/>
               </a:rPr>
               <a:t>Como funciona o seu sistema?</a:t>
@@ -4848,7 +4841,7 @@
               </a:spcBef>
             </a:pPr>
             <a:r>
-              <a:rPr lang="pt-BR" sz="2000" dirty="0" smtClean="0">
+              <a:rPr lang="pt-BR" sz="2000" dirty="0">
                 <a:latin typeface="Aquawax Pro Light" panose="02000003020000020004" pitchFamily="50" charset="0"/>
               </a:rPr>
               <a:t>Texto livre</a:t>
@@ -4861,19 +4854,19 @@
               </a:spcBef>
             </a:pPr>
             <a:r>
-              <a:rPr lang="pt-BR" sz="2000" dirty="0" smtClean="0">
+              <a:rPr lang="pt-BR" sz="2000" dirty="0">
                 <a:latin typeface="Aquawax Pro Light" panose="02000003020000020004" pitchFamily="50" charset="0"/>
               </a:rPr>
               <a:t>Ou Tratamentos </a:t>
             </a:r>
             <a:r>
-              <a:rPr lang="pt-BR" sz="2000" dirty="0" err="1" smtClean="0">
+              <a:rPr lang="pt-BR" sz="2000" dirty="0" err="1">
                 <a:latin typeface="Aquawax Pro Light" panose="02000003020000020004" pitchFamily="50" charset="0"/>
               </a:rPr>
               <a:t>pré</a:t>
             </a:r>
             <a:r>
-              <a:rPr lang="pt-BR" sz="2000" dirty="0" smtClean="0">
+              <a:rPr lang="pt-BR" sz="2000" dirty="0">
                 <a:latin typeface="Aquawax Pro Light" panose="02000003020000020004" pitchFamily="50" charset="0"/>
               </a:rPr>
               <a:t>-cadastrados</a:t>
@@ -5008,13 +5001,6 @@
   <p:clrMapOvr>
     <a:masterClrMapping/>
   </p:clrMapOvr>
-  <p:timing>
-    <p:tnLst>
-      <p:par>
-        <p:cTn id="1" dur="indefinite" restart="never" nodeType="tmRoot"/>
-      </p:par>
-    </p:tnLst>
-  </p:timing>
 </p:sld>
 </file>
 
@@ -5110,7 +5096,7 @@
               <a:buNone/>
             </a:pPr>
             <a:r>
-              <a:rPr lang="pt-BR" sz="7200" b="0" dirty="0" smtClean="0">
+              <a:rPr lang="pt-BR" sz="7200" b="0" dirty="0">
                 <a:solidFill>
                   <a:schemeClr val="lt1"/>
                 </a:solidFill>
@@ -5162,7 +5148,7 @@
               <a:buNone/>
             </a:pPr>
             <a:r>
-              <a:rPr lang="en" sz="4000" dirty="0" smtClean="0">
+              <a:rPr lang="en" sz="4000" dirty="0">
                 <a:latin typeface="Aquawax Pro Bold" panose="02000003020000020004" pitchFamily="50" charset="0"/>
               </a:rPr>
               <a:t>O que muda no sistema do CFM?</a:t>
@@ -5204,18 +5190,18 @@
               </a:spcBef>
             </a:pPr>
             <a:r>
-              <a:rPr lang="pt-BR" sz="2000" dirty="0" smtClean="0">
+              <a:rPr lang="pt-BR" sz="2000" dirty="0">
                 <a:latin typeface="Aquawax Pro Light" panose="02000003020000020004" pitchFamily="50" charset="0"/>
               </a:rPr>
               <a:t>Nova tela de </a:t>
             </a:r>
             <a:r>
-              <a:rPr lang="pt-BR" sz="2000" dirty="0" err="1" smtClean="0">
+              <a:rPr lang="pt-BR" sz="2000" dirty="0" err="1">
                 <a:latin typeface="Aquawax Pro Light" panose="02000003020000020004" pitchFamily="50" charset="0"/>
               </a:rPr>
               <a:t>login</a:t>
             </a:r>
-            <a:endParaRPr lang="pt-BR" sz="2000" dirty="0" smtClean="0">
+            <a:endParaRPr lang="pt-BR" sz="2000" dirty="0">
               <a:latin typeface="Aquawax Pro Light" panose="02000003020000020004" pitchFamily="50" charset="0"/>
             </a:endParaRPr>
           </a:p>
@@ -5226,7 +5212,7 @@
               </a:spcBef>
             </a:pPr>
             <a:r>
-              <a:rPr lang="pt-BR" sz="2000" dirty="0" smtClean="0">
+              <a:rPr lang="pt-BR" sz="2000" dirty="0">
                 <a:latin typeface="Aquawax Pro Light" panose="02000003020000020004" pitchFamily="50" charset="0"/>
               </a:rPr>
               <a:t>Nova tela de prescrição - parametrizável</a:t>
@@ -5361,13 +5347,6 @@
   <p:clrMapOvr>
     <a:masterClrMapping/>
   </p:clrMapOvr>
-  <p:timing>
-    <p:tnLst>
-      <p:par>
-        <p:cTn id="1" dur="indefinite" restart="never" nodeType="tmRoot"/>
-      </p:par>
-    </p:tnLst>
-  </p:timing>
 </p:sld>
 </file>
 
@@ -5423,7 +5402,7 @@
               <a:buNone/>
             </a:pPr>
             <a:r>
-              <a:rPr lang="pt-BR" sz="3000" b="1" dirty="0" smtClean="0">
+              <a:rPr lang="pt-BR" sz="3000" b="1" dirty="0">
                 <a:latin typeface="Aquawax Pro UltraBold" panose="02000003020000020004" pitchFamily="50" charset="0"/>
               </a:rPr>
               <a:t>Novo</a:t>
@@ -5440,12 +5419,12 @@
               <a:buNone/>
             </a:pPr>
             <a:r>
-              <a:rPr lang="pt-BR" sz="3000" b="1" dirty="0" err="1" smtClean="0">
+              <a:rPr lang="pt-BR" sz="3000" b="1" dirty="0" err="1">
                 <a:latin typeface="Aquawax Pro UltraBold" panose="02000003020000020004" pitchFamily="50" charset="0"/>
               </a:rPr>
               <a:t>login</a:t>
             </a:r>
-            <a:endParaRPr lang="pt-BR" sz="3000" b="1" dirty="0" smtClean="0">
+            <a:endParaRPr lang="pt-BR" sz="3000" b="1" dirty="0">
               <a:latin typeface="Aquawax Pro UltraBold" panose="02000003020000020004" pitchFamily="50" charset="0"/>
             </a:endParaRPr>
           </a:p>
@@ -5459,14 +5438,14 @@
               </a:spcAft>
               <a:buNone/>
             </a:pPr>
-            <a:endParaRPr lang="pt-BR" sz="3000" b="1" dirty="0" smtClean="0">
+            <a:endParaRPr lang="pt-BR" sz="3000" b="1" dirty="0">
               <a:latin typeface="Aquawax Pro UltraBold" panose="02000003020000020004" pitchFamily="50" charset="0"/>
             </a:endParaRPr>
           </a:p>
           <a:p>
             <a:pPr indent="-457200"/>
             <a:r>
-              <a:rPr lang="pt-BR" sz="3000" b="1" dirty="0" smtClean="0">
+              <a:rPr lang="pt-BR" sz="3000" b="1" dirty="0">
                 <a:latin typeface="Aquawax Pro UltraBold" panose="02000003020000020004" pitchFamily="50" charset="0"/>
               </a:rPr>
               <a:t>Embutido</a:t>
@@ -5475,7 +5454,7 @@
           <a:p>
             <a:pPr indent="-457200"/>
             <a:r>
-              <a:rPr lang="pt-BR" sz="3000" b="1" dirty="0" smtClean="0">
+              <a:rPr lang="pt-BR" sz="3000" b="1" dirty="0">
                 <a:latin typeface="Aquawax Pro UltraBold" panose="02000003020000020004" pitchFamily="50" charset="0"/>
               </a:rPr>
               <a:t>Mantém sessão</a:t>
@@ -6324,13 +6303,6 @@
   <p:clrMapOvr>
     <a:masterClrMapping/>
   </p:clrMapOvr>
-  <p:timing>
-    <p:tnLst>
-      <p:par>
-        <p:cTn id="1" dur="indefinite" restart="never" nodeType="tmRoot"/>
-      </p:par>
-    </p:tnLst>
-  </p:timing>
 </p:sld>
 </file>
 
@@ -6386,7 +6358,7 @@
               <a:buNone/>
             </a:pPr>
             <a:r>
-              <a:rPr lang="pt-BR" sz="3000" b="1" dirty="0" smtClean="0">
+              <a:rPr lang="pt-BR" sz="3000" b="1" dirty="0">
                 <a:latin typeface="Aquawax Pro UltraBold" panose="02000003020000020004" pitchFamily="50" charset="0"/>
               </a:rPr>
               <a:t>Nova prescrição</a:t>
@@ -6402,14 +6374,14 @@
               </a:spcAft>
               <a:buNone/>
             </a:pPr>
-            <a:endParaRPr lang="pt-BR" sz="3000" b="1" dirty="0" smtClean="0">
+            <a:endParaRPr lang="pt-BR" sz="3000" b="1" dirty="0">
               <a:latin typeface="Aquawax Pro UltraBold" panose="02000003020000020004" pitchFamily="50" charset="0"/>
             </a:endParaRPr>
           </a:p>
           <a:p>
             <a:pPr indent="-457200"/>
             <a:r>
-              <a:rPr lang="pt-BR" sz="3000" b="1" dirty="0" smtClean="0">
+              <a:rPr lang="pt-BR" sz="3000" b="1" dirty="0">
                 <a:latin typeface="Aquawax Pro UltraBold" panose="02000003020000020004" pitchFamily="50" charset="0"/>
               </a:rPr>
               <a:t>Embutida</a:t>
@@ -6418,7 +6390,7 @@
           <a:p>
             <a:pPr indent="-457200"/>
             <a:r>
-              <a:rPr lang="pt-BR" sz="3000" b="1" dirty="0" err="1" smtClean="0">
+              <a:rPr lang="pt-BR" sz="3000" b="1" dirty="0" err="1">
                 <a:latin typeface="Aquawax Pro UltraBold" panose="02000003020000020004" pitchFamily="50" charset="0"/>
               </a:rPr>
               <a:t>Parame-trizada</a:t>
@@ -7267,13 +7239,6 @@
   <p:clrMapOvr>
     <a:masterClrMapping/>
   </p:clrMapOvr>
-  <p:timing>
-    <p:tnLst>
-      <p:par>
-        <p:cTn id="1" dur="indefinite" restart="never" nodeType="tmRoot"/>
-      </p:par>
-    </p:tnLst>
-  </p:timing>
 </p:sld>
 </file>
 
@@ -7369,7 +7334,7 @@
               <a:buNone/>
             </a:pPr>
             <a:r>
-              <a:rPr lang="pt-BR" sz="7200" b="0" dirty="0" smtClean="0">
+              <a:rPr lang="pt-BR" sz="7200" b="0" dirty="0">
                 <a:solidFill>
                   <a:schemeClr val="lt1"/>
                 </a:solidFill>
@@ -7421,7 +7386,7 @@
               <a:buNone/>
             </a:pPr>
             <a:r>
-              <a:rPr lang="en" sz="4000" dirty="0" smtClean="0">
+              <a:rPr lang="en" sz="4000" dirty="0">
                 <a:latin typeface="Aquawax Pro Bold" panose="02000003020000020004" pitchFamily="50" charset="0"/>
               </a:rPr>
               <a:t>O que muda no seu sistema?</a:t>
@@ -7463,7 +7428,7 @@
               </a:spcBef>
             </a:pPr>
             <a:r>
-              <a:rPr lang="pt-BR" sz="2000" dirty="0" smtClean="0">
+              <a:rPr lang="pt-BR" sz="2000" dirty="0">
                 <a:latin typeface="Aquawax Pro Light" panose="02000003020000020004" pitchFamily="50" charset="0"/>
               </a:rPr>
               <a:t>Embutir componente do CFM</a:t>
@@ -7476,7 +7441,7 @@
               </a:spcBef>
             </a:pPr>
             <a:r>
-              <a:rPr lang="pt-BR" sz="2000" dirty="0" smtClean="0">
+              <a:rPr lang="pt-BR" sz="2000" dirty="0">
                 <a:latin typeface="Aquawax Pro Light" panose="02000003020000020004" pitchFamily="50" charset="0"/>
               </a:rPr>
               <a:t>Enviar dados da integração</a:t>
@@ -7489,7 +7454,7 @@
               </a:spcBef>
             </a:pPr>
             <a:r>
-              <a:rPr lang="pt-BR" sz="2000" dirty="0" smtClean="0">
+              <a:rPr lang="pt-BR" sz="2000" dirty="0">
                 <a:latin typeface="Aquawax Pro Light" panose="02000003020000020004" pitchFamily="50" charset="0"/>
               </a:rPr>
               <a:t>Receber PDF assinado</a:t>
@@ -7624,13 +7589,6 @@
   <p:clrMapOvr>
     <a:masterClrMapping/>
   </p:clrMapOvr>
-  <p:timing>
-    <p:tnLst>
-      <p:par>
-        <p:cTn id="1" dur="indefinite" restart="never" nodeType="tmRoot"/>
-      </p:par>
-    </p:tnLst>
-  </p:timing>
 </p:sld>
 </file>
 
@@ -7726,7 +7684,7 @@
               <a:buNone/>
             </a:pPr>
             <a:r>
-              <a:rPr lang="pt-BR" sz="7200" b="0" dirty="0" smtClean="0">
+              <a:rPr lang="pt-BR" sz="7200" b="0" dirty="0">
                 <a:solidFill>
                   <a:schemeClr val="lt1"/>
                 </a:solidFill>
@@ -7778,7 +7736,7 @@
               <a:buNone/>
             </a:pPr>
             <a:r>
-              <a:rPr lang="en" sz="4000" dirty="0" smtClean="0">
+              <a:rPr lang="en" sz="4000" dirty="0">
                 <a:latin typeface="Aquawax Pro Bold" panose="02000003020000020004" pitchFamily="50" charset="0"/>
               </a:rPr>
               <a:t>Quais dados devem ser enviados?</a:t>
@@ -7820,7 +7778,7 @@
               </a:spcBef>
             </a:pPr>
             <a:r>
-              <a:rPr lang="pt-BR" sz="2000" dirty="0" smtClean="0">
+              <a:rPr lang="pt-BR" sz="2000" dirty="0">
                 <a:latin typeface="Aquawax Pro Light" panose="02000003020000020004" pitchFamily="50" charset="0"/>
               </a:rPr>
               <a:t>Informações do seu sistema ou local de atendimento</a:t>
@@ -7833,7 +7791,7 @@
               </a:spcBef>
             </a:pPr>
             <a:r>
-              <a:rPr lang="pt-BR" sz="2000" dirty="0" smtClean="0">
+              <a:rPr lang="pt-BR" sz="2000" dirty="0">
                 <a:latin typeface="Aquawax Pro Light" panose="02000003020000020004" pitchFamily="50" charset="0"/>
               </a:rPr>
               <a:t>Dados do paciente</a:t>
@@ -7846,7 +7804,7 @@
               </a:spcBef>
             </a:pPr>
             <a:r>
-              <a:rPr lang="pt-BR" sz="2000" dirty="0" smtClean="0">
+              <a:rPr lang="pt-BR" sz="2000" dirty="0">
                 <a:latin typeface="Aquawax Pro Light" panose="02000003020000020004" pitchFamily="50" charset="0"/>
               </a:rPr>
               <a:t>Lista de medicamentos sendo prescritos</a:t>
@@ -7981,13 +7939,6 @@
   <p:clrMapOvr>
     <a:masterClrMapping/>
   </p:clrMapOvr>
-  <p:timing>
-    <p:tnLst>
-      <p:par>
-        <p:cTn id="1" dur="indefinite" restart="never" nodeType="tmRoot"/>
-      </p:par>
-    </p:tnLst>
-  </p:timing>
 </p:sld>
 </file>
 
@@ -8083,7 +8034,7 @@
               <a:buNone/>
             </a:pPr>
             <a:r>
-              <a:rPr lang="pt-BR" sz="7200" b="0" dirty="0" smtClean="0">
+              <a:rPr lang="pt-BR" sz="7200" b="0" dirty="0">
                 <a:solidFill>
                   <a:schemeClr val="lt1"/>
                 </a:solidFill>
@@ -8135,7 +8086,7 @@
               <a:buNone/>
             </a:pPr>
             <a:r>
-              <a:rPr lang="en" sz="4000" dirty="0" smtClean="0">
+              <a:rPr lang="en" sz="4000" dirty="0">
                 <a:latin typeface="Aquawax Pro Bold" panose="02000003020000020004" pitchFamily="50" charset="0"/>
               </a:rPr>
               <a:t>Qual a experiência do usuário final?</a:t>
@@ -8177,7 +8128,7 @@
               </a:spcBef>
             </a:pPr>
             <a:r>
-              <a:rPr lang="pt-BR" sz="2000" dirty="0" smtClean="0">
+              <a:rPr lang="pt-BR" sz="2000" dirty="0">
                 <a:latin typeface="Aquawax Pro Light" panose="02000003020000020004" pitchFamily="50" charset="0"/>
               </a:rPr>
               <a:t>Preencher informações no seu sistema</a:t>
@@ -8190,19 +8141,19 @@
               </a:spcBef>
             </a:pPr>
             <a:r>
-              <a:rPr lang="pt-BR" sz="2000" dirty="0" smtClean="0">
+              <a:rPr lang="pt-BR" sz="2000" dirty="0">
                 <a:latin typeface="Aquawax Pro Light" panose="02000003020000020004" pitchFamily="50" charset="0"/>
               </a:rPr>
               <a:t>Fazer </a:t>
             </a:r>
             <a:r>
-              <a:rPr lang="pt-BR" sz="2000" dirty="0" err="1" smtClean="0">
+              <a:rPr lang="pt-BR" sz="2000" dirty="0" err="1">
                 <a:latin typeface="Aquawax Pro Light" panose="02000003020000020004" pitchFamily="50" charset="0"/>
               </a:rPr>
               <a:t>login</a:t>
             </a:r>
             <a:r>
-              <a:rPr lang="pt-BR" sz="2000" dirty="0" smtClean="0">
+              <a:rPr lang="pt-BR" sz="2000" dirty="0">
                 <a:latin typeface="Aquawax Pro Light" panose="02000003020000020004" pitchFamily="50" charset="0"/>
               </a:rPr>
               <a:t> uma vez</a:t>
@@ -8215,7 +8166,7 @@
               </a:spcBef>
             </a:pPr>
             <a:r>
-              <a:rPr lang="pt-BR" sz="2000" dirty="0" smtClean="0">
+              <a:rPr lang="pt-BR" sz="2000" dirty="0">
                 <a:latin typeface="Aquawax Pro Light" panose="02000003020000020004" pitchFamily="50" charset="0"/>
               </a:rPr>
               <a:t>Realizar assinatura</a:t>
@@ -8347,13 +8298,6 @@
   <p:clrMapOvr>
     <a:masterClrMapping/>
   </p:clrMapOvr>
-  <p:timing>
-    <p:tnLst>
-      <p:par>
-        <p:cTn id="1" dur="indefinite" restart="never" nodeType="tmRoot"/>
-      </p:par>
-    </p:tnLst>
-  </p:timing>
 </p:sld>
 </file>
 
@@ -8409,19 +8353,53 @@
               <a:buNone/>
             </a:pPr>
             <a:r>
-              <a:rPr lang="pt-BR" sz="3000" b="1" dirty="0" smtClean="0">
+              <a:rPr lang="pt-BR" b="1" dirty="0">
                 <a:latin typeface="Aquawax Pro UltraBold" panose="02000003020000020004" pitchFamily="50" charset="0"/>
               </a:rPr>
-              <a:t>Exemplo: </a:t>
+              <a:t>Exemplo:</a:t>
+            </a:r>
+          </a:p>
+          <a:p>
+            <a:pPr marL="0" lvl="0" indent="0" algn="l" rtl="0">
+              <a:spcBef>
+                <a:spcPts val="600"/>
+              </a:spcBef>
+              <a:spcAft>
+                <a:spcPts val="0"/>
+              </a:spcAft>
+              <a:buNone/>
+            </a:pPr>
+            <a:r>
+              <a:rPr lang="pt-BR" sz="1400" dirty="0">
+                <a:solidFill>
+                  <a:srgbClr val="0070C0"/>
+                </a:solidFill>
+                <a:latin typeface="Aquawax Pro Light"/>
+                <a:hlinkClick r:id="rId3">
+                  <a:extLst>
+                    <a:ext uri="{A12FA001-AC4F-418D-AE19-62706E023703}">
+                      <ahyp:hlinkClr xmlns:ahyp="http://schemas.microsoft.com/office/drawing/2018/hyperlinkcolor" val="tx"/>
+                    </a:ext>
+                  </a:extLst>
+                </a:hlinkClick>
+              </a:rPr>
+              <a:t>https://conselho-federal-de-medicina.github.io/integracao-prescricao-cfm/exemplo/exemplo.html</a:t>
             </a:r>
             <a:r>
-              <a:rPr lang="en" sz="2000" dirty="0"/>
-              <a:t/>
+              <a:rPr lang="pt-BR" sz="1400" b="1" dirty="0">
+                <a:solidFill>
+                  <a:srgbClr val="0070C0"/>
+                </a:solidFill>
+                <a:latin typeface="Aquawax Pro Light"/>
+              </a:rPr>
+              <a:t> </a:t>
             </a:r>
-            <a:br>
-              <a:rPr lang="en" sz="2000" dirty="0"/>
-            </a:br>
-            <a:endParaRPr lang="en" sz="2000" dirty="0" smtClean="0"/>
+            <a:endParaRPr lang="en" sz="1400" dirty="0">
+              <a:solidFill>
+                <a:srgbClr val="0070C0"/>
+              </a:solidFill>
+              <a:latin typeface="Aquawax Pro Light"/>
+            </a:endParaRPr>
           </a:p>
         </p:txBody>
       </p:sp>
@@ -8818,7 +8796,7 @@
           <p:nvPr/>
         </p:nvPicPr>
         <p:blipFill>
-          <a:blip r:embed="rId3">
+          <a:blip r:embed="rId4">
             <a:alphaModFix/>
           </a:blip>
           <a:stretch>
@@ -8848,7 +8826,7 @@
           <p:nvPr/>
         </p:nvPicPr>
         <p:blipFill>
-          <a:blip r:embed="rId4"/>
+          <a:blip r:embed="rId5"/>
           <a:stretch>
             <a:fillRect/>
           </a:stretch>
@@ -8873,13 +8851,6 @@
   <p:clrMapOvr>
     <a:masterClrMapping/>
   </p:clrMapOvr>
-  <p:timing>
-    <p:tnLst>
-      <p:par>
-        <p:cTn id="1" dur="indefinite" restart="never" nodeType="tmRoot"/>
-      </p:par>
-    </p:tnLst>
-  </p:timing>
 </p:sld>
 </file>
 
@@ -8975,7 +8946,7 @@
               <a:buNone/>
             </a:pPr>
             <a:r>
-              <a:rPr lang="pt-BR" sz="7200" b="0" dirty="0" smtClean="0">
+              <a:rPr lang="pt-BR" sz="7200" b="0" dirty="0">
                 <a:solidFill>
                   <a:schemeClr val="lt1"/>
                 </a:solidFill>
@@ -9027,7 +8998,7 @@
               <a:buNone/>
             </a:pPr>
             <a:r>
-              <a:rPr lang="en" sz="3600" dirty="0" smtClean="0">
+              <a:rPr lang="en" sz="3600" dirty="0">
                 <a:latin typeface="Aquawax Pro Bold" panose="02000003020000020004" pitchFamily="50" charset="0"/>
               </a:rPr>
               <a:t>Quais os próximos passos para a integração?</a:t>
@@ -9069,31 +9040,36 @@
               </a:spcBef>
             </a:pPr>
             <a:r>
-              <a:rPr lang="pt-BR" sz="1600" dirty="0" smtClean="0">
+              <a:rPr lang="pt-BR" sz="1600" dirty="0">
                 <a:latin typeface="Aquawax Pro Light" panose="02000003020000020004" pitchFamily="50" charset="0"/>
               </a:rPr>
               <a:t>Acessar a documentação do desenvolvedor:</a:t>
             </a:r>
             <a:br>
-              <a:rPr lang="pt-BR" sz="1600" dirty="0" smtClean="0">
+              <a:rPr lang="pt-BR" sz="1600" dirty="0">
                 <a:latin typeface="Aquawax Pro Light" panose="02000003020000020004" pitchFamily="50" charset="0"/>
               </a:rPr>
             </a:br>
             <a:r>
               <a:rPr lang="pt-BR" sz="1400" dirty="0">
+                <a:solidFill>
+                  <a:srgbClr val="0070C0"/>
+                </a:solidFill>
                 <a:latin typeface="Aquawax Pro Light" panose="02000003020000020004" pitchFamily="50" charset="0"/>
-                <a:hlinkClick r:id="rId3"/>
+                <a:hlinkClick r:id="rId3">
+                  <a:extLst>
+                    <a:ext uri="{A12FA001-AC4F-418D-AE19-62706E023703}">
+                      <ahyp:hlinkClr xmlns:ahyp="http://schemas.microsoft.com/office/drawing/2018/hyperlinkcolor" val="tx"/>
+                    </a:ext>
+                  </a:extLst>
+                </a:hlinkClick>
               </a:rPr>
-              <a:t>https://</a:t>
+              <a:t>https://github.com/Conselho-Federal-de-Medicina/integracao-prescricao-cfm#readme</a:t>
             </a:r>
-            <a:r>
-              <a:rPr lang="pt-BR" sz="1400" dirty="0" smtClean="0">
-                <a:latin typeface="Aquawax Pro Light" panose="02000003020000020004" pitchFamily="50" charset="0"/>
-                <a:hlinkClick r:id="rId3"/>
-              </a:rPr>
-              <a:t>conselho-federal-de-medicina.github.io/integracao-prescricao-cfm</a:t>
-            </a:r>
-            <a:endParaRPr lang="pt-BR" sz="1400" dirty="0" smtClean="0">
+            <a:endParaRPr lang="pt-BR" sz="1400" dirty="0">
+              <a:solidFill>
+                <a:srgbClr val="0070C0"/>
+              </a:solidFill>
               <a:latin typeface="Aquawax Pro Light" panose="02000003020000020004" pitchFamily="50" charset="0"/>
             </a:endParaRPr>
           </a:p>
@@ -9104,22 +9080,10 @@
               </a:spcBef>
             </a:pPr>
             <a:r>
-              <a:rPr lang="pt-BR" sz="1600" dirty="0" smtClean="0">
+              <a:rPr lang="pt-BR" sz="1600" dirty="0">
                 <a:latin typeface="Aquawax Pro Light" panose="02000003020000020004" pitchFamily="50" charset="0"/>
               </a:rPr>
-              <a:t>Testar </a:t>
-            </a:r>
-            <a:r>
-              <a:rPr lang="pt-BR" sz="1600" dirty="0" smtClean="0">
-                <a:latin typeface="Aquawax Pro Light" panose="02000003020000020004" pitchFamily="50" charset="0"/>
-              </a:rPr>
-              <a:t>no ambiente de </a:t>
-            </a:r>
-            <a:r>
-              <a:rPr lang="pt-BR" sz="1600" dirty="0" smtClean="0">
-                <a:latin typeface="Aquawax Pro Light" panose="02000003020000020004" pitchFamily="50" charset="0"/>
-              </a:rPr>
-              <a:t>simulação</a:t>
+              <a:t>Testar no ambiente de simulação</a:t>
             </a:r>
           </a:p>
           <a:p>
@@ -9129,16 +9093,10 @@
               </a:spcBef>
             </a:pPr>
             <a:r>
-              <a:rPr lang="pt-BR" sz="1600" dirty="0" smtClean="0">
+              <a:rPr lang="pt-BR" sz="1600" dirty="0">
                 <a:latin typeface="Aquawax Pro Light" panose="02000003020000020004" pitchFamily="50" charset="0"/>
               </a:rPr>
-              <a:t>Cadastrar </a:t>
-            </a:r>
-            <a:r>
-              <a:rPr lang="pt-BR" sz="1600" dirty="0" smtClean="0">
-                <a:latin typeface="Aquawax Pro Light" panose="02000003020000020004" pitchFamily="50" charset="0"/>
-              </a:rPr>
-              <a:t>sua aplicação no CFM</a:t>
+              <a:t>Formalização do ACT – Acordo de Cooperação Técnica</a:t>
             </a:r>
           </a:p>
           <a:p>
@@ -9148,16 +9106,10 @@
               </a:spcBef>
             </a:pPr>
             <a:r>
-              <a:rPr lang="pt-BR" sz="1600" dirty="0" smtClean="0">
+              <a:rPr lang="pt-BR" sz="1600" dirty="0">
                 <a:latin typeface="Aquawax Pro Light" panose="02000003020000020004" pitchFamily="50" charset="0"/>
               </a:rPr>
-              <a:t>Testar no ambiente de </a:t>
-            </a:r>
-            <a:r>
-              <a:rPr lang="pt-BR" sz="1600" dirty="0" smtClean="0">
-                <a:latin typeface="Aquawax Pro Light" panose="02000003020000020004" pitchFamily="50" charset="0"/>
-              </a:rPr>
-              <a:t>homologação</a:t>
+              <a:t>Cadastrar sua aplicação no CFM</a:t>
             </a:r>
           </a:p>
           <a:p>
@@ -9167,14 +9119,11 @@
               </a:spcBef>
             </a:pPr>
             <a:r>
-              <a:rPr lang="pt-BR" sz="1600" dirty="0" smtClean="0">
+              <a:rPr lang="pt-BR" sz="1600" dirty="0">
                 <a:latin typeface="Aquawax Pro Light" panose="02000003020000020004" pitchFamily="50" charset="0"/>
               </a:rPr>
-              <a:t>Formalização do ACT – Acordo de Cooperação Técnica</a:t>
+              <a:t>Testar no ambiente de homologação</a:t>
             </a:r>
-            <a:endParaRPr lang="pt-BR" sz="1600" dirty="0" smtClean="0">
-              <a:latin typeface="Aquawax Pro Light" panose="02000003020000020004" pitchFamily="50" charset="0"/>
-            </a:endParaRPr>
           </a:p>
           <a:p>
             <a:pPr marL="342900" indent="-342900">
@@ -9183,7 +9132,7 @@
               </a:spcBef>
             </a:pPr>
             <a:r>
-              <a:rPr lang="pt-BR" sz="1600" dirty="0" smtClean="0">
+              <a:rPr lang="pt-BR" sz="1600" dirty="0">
                 <a:latin typeface="Aquawax Pro Light" panose="02000003020000020004" pitchFamily="50" charset="0"/>
               </a:rPr>
               <a:t>Publicar em produção</a:t>
@@ -9315,13 +9264,6 @@
   <p:clrMapOvr>
     <a:masterClrMapping/>
   </p:clrMapOvr>
-  <p:timing>
-    <p:tnLst>
-      <p:par>
-        <p:cTn id="1" dur="indefinite" restart="never" nodeType="tmRoot"/>
-      </p:par>
-    </p:tnLst>
-  </p:timing>
 </p:sld>
 </file>
 
@@ -9391,10 +9333,9 @@
           <a:lstStyle/>
           <a:p>
             <a:r>
-              <a:rPr lang="pt-BR" sz="2000" dirty="0" smtClean="0"/>
+              <a:rPr lang="pt-BR" sz="2000" dirty="0"/>
               <a:t>Obrigado!</a:t>
             </a:r>
-            <a:endParaRPr lang="pt-BR" sz="2000" dirty="0"/>
           </a:p>
         </p:txBody>
       </p:sp>
@@ -9408,13 +9349,6 @@
   <p:clrMapOvr>
     <a:masterClrMapping/>
   </p:clrMapOvr>
-  <p:timing>
-    <p:tnLst>
-      <p:par>
-        <p:cTn id="1" dur="indefinite" restart="never" nodeType="tmRoot"/>
-      </p:par>
-    </p:tnLst>
-  </p:timing>
 </p:sld>
 </file>
 
@@ -9510,7 +9444,7 @@
               <a:buNone/>
             </a:pPr>
             <a:r>
-              <a:rPr lang="en" sz="7200" b="0" dirty="0" smtClean="0">
+              <a:rPr lang="en" sz="7200" b="0" dirty="0">
                 <a:solidFill>
                   <a:schemeClr val="lt1"/>
                 </a:solidFill>
@@ -9562,7 +9496,7 @@
               <a:buNone/>
             </a:pPr>
             <a:r>
-              <a:rPr lang="en" sz="4000" dirty="0" smtClean="0">
+              <a:rPr lang="en" sz="4000" dirty="0">
                 <a:latin typeface="Aquawax Pro Bold" panose="02000003020000020004" pitchFamily="50" charset="0"/>
               </a:rPr>
               <a:t>Qual o objetivo desta apresentação?</a:t>
@@ -9604,16 +9538,10 @@
               </a:spcBef>
             </a:pPr>
             <a:r>
-              <a:rPr lang="pt-BR" sz="2000" dirty="0" smtClean="0">
+              <a:rPr lang="pt-BR" sz="2000" dirty="0">
                 <a:latin typeface="Aquawax Pro Light" panose="02000003020000020004" pitchFamily="50" charset="0"/>
               </a:rPr>
-              <a:t>Apresentar o modelo de integração </a:t>
-            </a:r>
-            <a:r>
-              <a:rPr lang="pt-BR" sz="2000" dirty="0" smtClean="0">
-                <a:latin typeface="Aquawax Pro Light" panose="02000003020000020004" pitchFamily="50" charset="0"/>
-              </a:rPr>
-              <a:t>com o sistema de Prescrição Eletrônica do Conselho Federal de Medicina (CFM)</a:t>
+              <a:t>Apresentar o modelo de integração com o sistema de Prescrição Eletrônica do Conselho Federal de Medicina (CFM)</a:t>
             </a:r>
             <a:endParaRPr sz="2000" dirty="0">
               <a:latin typeface="Aquawax Pro Light" panose="02000003020000020004" pitchFamily="50" charset="0"/>
@@ -9745,13 +9673,6 @@
   <p:clrMapOvr>
     <a:masterClrMapping/>
   </p:clrMapOvr>
-  <p:timing>
-    <p:tnLst>
-      <p:par>
-        <p:cTn id="1" dur="indefinite" restart="never" nodeType="tmRoot"/>
-      </p:par>
-    </p:tnLst>
-  </p:timing>
 </p:sld>
 </file>
 
@@ -9847,7 +9768,7 @@
               <a:buNone/>
             </a:pPr>
             <a:r>
-              <a:rPr lang="en" sz="7200" b="0" dirty="0" smtClean="0">
+              <a:rPr lang="en" sz="7200" b="0" dirty="0">
                 <a:solidFill>
                   <a:schemeClr val="lt1"/>
                 </a:solidFill>
@@ -9899,7 +9820,7 @@
               <a:buNone/>
             </a:pPr>
             <a:r>
-              <a:rPr lang="en" sz="4000" dirty="0" smtClean="0">
+              <a:rPr lang="en" sz="4000" dirty="0">
                 <a:latin typeface="Aquawax Pro Bold" panose="02000003020000020004" pitchFamily="50" charset="0"/>
               </a:rPr>
               <a:t>Para quem é esta apresentação?</a:t>
@@ -9941,7 +9862,7 @@
               </a:spcBef>
             </a:pPr>
             <a:r>
-              <a:rPr lang="pt-BR" sz="2000" dirty="0" smtClean="0">
+              <a:rPr lang="pt-BR" sz="2000" dirty="0">
                 <a:latin typeface="Aquawax Pro Light" panose="02000003020000020004" pitchFamily="50" charset="0"/>
               </a:rPr>
               <a:t>Esta apresentação é voltada a gerente e diretores, que precisam decidir se farão a integração e entender como isso afeta os seus sistemas.</a:t>
@@ -10076,13 +9997,6 @@
   <p:clrMapOvr>
     <a:masterClrMapping/>
   </p:clrMapOvr>
-  <p:timing>
-    <p:tnLst>
-      <p:par>
-        <p:cTn id="1" dur="indefinite" restart="never" nodeType="tmRoot"/>
-      </p:par>
-    </p:tnLst>
-  </p:timing>
 </p:sld>
 </file>
 
@@ -10178,7 +10092,7 @@
               <a:buNone/>
             </a:pPr>
             <a:r>
-              <a:rPr lang="pt-BR" sz="7200" b="0" dirty="0" smtClean="0">
+              <a:rPr lang="pt-BR" sz="7200" b="0" dirty="0">
                 <a:solidFill>
                   <a:schemeClr val="lt1"/>
                 </a:solidFill>
@@ -10230,34 +10144,10 @@
               <a:buNone/>
             </a:pPr>
             <a:r>
-              <a:rPr lang="en" sz="4000" dirty="0" smtClean="0">
-                <a:latin typeface="Aquawax Pro Bold" panose="02000003020000020004" pitchFamily="50" charset="0"/>
-              </a:rPr>
-              <a:t>Como funciona a Prescrição do </a:t>
-            </a:r>
-            <a:r>
-              <a:rPr lang="en" sz="4000" dirty="0" smtClean="0">
-                <a:latin typeface="Aquawax Pro Bold" panose="02000003020000020004" pitchFamily="50" charset="0"/>
-              </a:rPr>
-              <a:t>CFM</a:t>
-            </a:r>
-            <a:r>
               <a:rPr lang="en" sz="4000" dirty="0">
                 <a:latin typeface="Aquawax Pro Bold" panose="02000003020000020004" pitchFamily="50" charset="0"/>
               </a:rPr>
-              <a:t> </a:t>
-            </a:r>
-            <a:r>
-              <a:rPr lang="en" sz="4000" dirty="0" smtClean="0">
-                <a:latin typeface="Aquawax Pro Bold" panose="02000003020000020004" pitchFamily="50" charset="0"/>
-              </a:rPr>
-              <a:t>hoje</a:t>
-            </a:r>
-            <a:r>
-              <a:rPr lang="en" sz="4000" dirty="0" smtClean="0">
-                <a:latin typeface="Aquawax Pro Bold" panose="02000003020000020004" pitchFamily="50" charset="0"/>
-              </a:rPr>
-              <a:t>?</a:t>
+              <a:t>Como funciona a Prescrição do CFM?</a:t>
             </a:r>
             <a:endParaRPr sz="4000" dirty="0">
               <a:latin typeface="Aquawax Pro Bold" panose="02000003020000020004" pitchFamily="50" charset="0"/>
@@ -10296,12 +10186,12 @@
               </a:spcBef>
             </a:pPr>
             <a:r>
-              <a:rPr lang="pt-BR" sz="2000" dirty="0" err="1" smtClean="0">
+              <a:rPr lang="pt-BR" sz="2000" dirty="0" err="1">
                 <a:latin typeface="Aquawax Pro Light" panose="02000003020000020004" pitchFamily="50" charset="0"/>
               </a:rPr>
               <a:t>Login</a:t>
             </a:r>
-            <a:endParaRPr lang="pt-BR" sz="2000" dirty="0" smtClean="0">
+            <a:endParaRPr lang="pt-BR" sz="2000" dirty="0">
               <a:latin typeface="Aquawax Pro Light" panose="02000003020000020004" pitchFamily="50" charset="0"/>
             </a:endParaRPr>
           </a:p>
@@ -10312,7 +10202,7 @@
               </a:spcBef>
             </a:pPr>
             <a:r>
-              <a:rPr lang="pt-BR" sz="2000" dirty="0" smtClean="0">
+              <a:rPr lang="pt-BR" sz="2000" dirty="0">
                 <a:latin typeface="Aquawax Pro Light" panose="02000003020000020004" pitchFamily="50" charset="0"/>
               </a:rPr>
               <a:t>Sessão de assinatura</a:t>
@@ -10325,7 +10215,7 @@
               </a:spcBef>
             </a:pPr>
             <a:r>
-              <a:rPr lang="pt-BR" sz="2000" dirty="0" smtClean="0">
+              <a:rPr lang="pt-BR" sz="2000" dirty="0">
                 <a:latin typeface="Aquawax Pro Light" panose="02000003020000020004" pitchFamily="50" charset="0"/>
               </a:rPr>
               <a:t>Cadastro de locais de atendimento</a:t>
@@ -10338,7 +10228,7 @@
               </a:spcBef>
             </a:pPr>
             <a:r>
-              <a:rPr lang="pt-BR" sz="2000" dirty="0" smtClean="0">
+              <a:rPr lang="pt-BR" sz="2000" dirty="0">
                 <a:latin typeface="Aquawax Pro Light" panose="02000003020000020004" pitchFamily="50" charset="0"/>
               </a:rPr>
               <a:t>Cadastro de pacientes</a:t>
@@ -10351,7 +10241,7 @@
               </a:spcBef>
             </a:pPr>
             <a:r>
-              <a:rPr lang="pt-BR" sz="2000" dirty="0" smtClean="0">
+              <a:rPr lang="pt-BR" sz="2000" dirty="0">
                 <a:latin typeface="Aquawax Pro Light" panose="02000003020000020004" pitchFamily="50" charset="0"/>
               </a:rPr>
               <a:t>Emissão de documentos</a:t>
@@ -10486,13 +10376,6 @@
   <p:clrMapOvr>
     <a:masterClrMapping/>
   </p:clrMapOvr>
-  <p:timing>
-    <p:tnLst>
-      <p:par>
-        <p:cTn id="1" dur="indefinite" restart="never" nodeType="tmRoot"/>
-      </p:par>
-    </p:tnLst>
-  </p:timing>
 </p:sld>
 </file>
 
@@ -10548,31 +10431,15 @@
               <a:buNone/>
             </a:pPr>
             <a:r>
-              <a:rPr lang="pt-BR" sz="3000" b="1" dirty="0" smtClean="0">
+              <a:rPr lang="pt-BR" sz="3000" b="1" dirty="0">
                 <a:latin typeface="Aquawax Pro UltraBold" panose="02000003020000020004" pitchFamily="50" charset="0"/>
               </a:rPr>
-              <a:t>Página de </a:t>
-            </a:r>
-            <a:r>
-              <a:rPr lang="pt-BR" sz="3000" b="1" dirty="0" err="1" smtClean="0">
-                <a:latin typeface="Aquawax Pro UltraBold" panose="02000003020000020004" pitchFamily="50" charset="0"/>
-              </a:rPr>
-              <a:t>login</a:t>
-            </a:r>
-            <a:r>
-              <a:rPr lang="pt-BR" sz="3000" b="1" dirty="0" smtClean="0">
-                <a:latin typeface="Aquawax Pro UltraBold" panose="02000003020000020004" pitchFamily="50" charset="0"/>
-              </a:rPr>
-              <a:t> atual</a:t>
-            </a:r>
-            <a:r>
-              <a:rPr lang="en" sz="2000" dirty="0"/>
-              <a:t/>
+              <a:t>Página de login</a:t>
             </a:r>
             <a:br>
               <a:rPr lang="en" sz="2000" dirty="0"/>
             </a:br>
-            <a:endParaRPr lang="en" sz="2000" dirty="0" smtClean="0"/>
+            <a:endParaRPr lang="en" sz="2000" dirty="0"/>
           </a:p>
         </p:txBody>
       </p:sp>
@@ -11024,13 +10891,6 @@
   <p:clrMapOvr>
     <a:masterClrMapping/>
   </p:clrMapOvr>
-  <p:timing>
-    <p:tnLst>
-      <p:par>
-        <p:cTn id="1" dur="indefinite" restart="never" nodeType="tmRoot"/>
-      </p:par>
-    </p:tnLst>
-  </p:timing>
 </p:sld>
 </file>
 
@@ -11086,19 +10946,15 @@
               <a:buNone/>
             </a:pPr>
             <a:r>
-              <a:rPr lang="pt-BR" sz="3000" b="1" dirty="0" smtClean="0">
+              <a:rPr lang="pt-BR" sz="3000" b="1" dirty="0">
                 <a:latin typeface="Aquawax Pro UltraBold" panose="02000003020000020004" pitchFamily="50" charset="0"/>
               </a:rPr>
               <a:t>Ativando sessão de assinaturas</a:t>
             </a:r>
-            <a:r>
-              <a:rPr lang="en" sz="2000" dirty="0"/>
-              <a:t/>
-            </a:r>
             <a:br>
               <a:rPr lang="en" sz="2000" dirty="0"/>
             </a:br>
-            <a:endParaRPr lang="en" sz="2000" dirty="0" smtClean="0"/>
+            <a:endParaRPr lang="en" sz="2000" dirty="0"/>
           </a:p>
         </p:txBody>
       </p:sp>
@@ -11550,13 +11406,6 @@
   <p:clrMapOvr>
     <a:masterClrMapping/>
   </p:clrMapOvr>
-  <p:timing>
-    <p:tnLst>
-      <p:par>
-        <p:cTn id="1" dur="indefinite" restart="never" nodeType="tmRoot"/>
-      </p:par>
-    </p:tnLst>
-  </p:timing>
 </p:sld>
 </file>
 
@@ -11612,19 +11461,15 @@
               <a:buNone/>
             </a:pPr>
             <a:r>
-              <a:rPr lang="pt-BR" sz="3000" b="1" dirty="0" smtClean="0">
+              <a:rPr lang="pt-BR" sz="3000" b="1" dirty="0">
                 <a:latin typeface="Aquawax Pro UltraBold" panose="02000003020000020004" pitchFamily="50" charset="0"/>
               </a:rPr>
               <a:t>Cadastrando local de atendimento</a:t>
             </a:r>
-            <a:r>
-              <a:rPr lang="en" sz="2000" dirty="0"/>
-              <a:t/>
-            </a:r>
             <a:br>
               <a:rPr lang="en" sz="2000" dirty="0"/>
             </a:br>
-            <a:endParaRPr lang="en" sz="2000" dirty="0" smtClean="0"/>
+            <a:endParaRPr lang="en" sz="2000" dirty="0"/>
           </a:p>
         </p:txBody>
       </p:sp>
@@ -12076,13 +11921,6 @@
   <p:clrMapOvr>
     <a:masterClrMapping/>
   </p:clrMapOvr>
-  <p:timing>
-    <p:tnLst>
-      <p:par>
-        <p:cTn id="1" dur="indefinite" restart="never" nodeType="tmRoot"/>
-      </p:par>
-    </p:tnLst>
-  </p:timing>
 </p:sld>
 </file>
 
@@ -12138,19 +11976,15 @@
               <a:buNone/>
             </a:pPr>
             <a:r>
-              <a:rPr lang="pt-BR" sz="3000" b="1" dirty="0" smtClean="0">
+              <a:rPr lang="pt-BR" sz="3000" b="1" dirty="0">
                 <a:latin typeface="Aquawax Pro UltraBold" panose="02000003020000020004" pitchFamily="50" charset="0"/>
               </a:rPr>
               <a:t>Cadastrando paciente</a:t>
             </a:r>
-            <a:r>
-              <a:rPr lang="en" sz="2000" dirty="0" smtClean="0"/>
-              <a:t/>
-            </a:r>
             <a:br>
-              <a:rPr lang="en" sz="2000" dirty="0" smtClean="0"/>
+              <a:rPr lang="en" sz="2000" dirty="0"/>
             </a:br>
-            <a:endParaRPr lang="en" sz="2000" dirty="0" smtClean="0"/>
+            <a:endParaRPr lang="en" sz="2000" dirty="0"/>
           </a:p>
         </p:txBody>
       </p:sp>
@@ -12602,13 +12436,6 @@
   <p:clrMapOvr>
     <a:masterClrMapping/>
   </p:clrMapOvr>
-  <p:timing>
-    <p:tnLst>
-      <p:par>
-        <p:cTn id="1" dur="indefinite" restart="never" nodeType="tmRoot"/>
-      </p:par>
-    </p:tnLst>
-  </p:timing>
 </p:sld>
 </file>
 
@@ -12664,19 +12491,15 @@
               <a:buNone/>
             </a:pPr>
             <a:r>
-              <a:rPr lang="pt-BR" sz="3000" b="1" dirty="0" smtClean="0">
+              <a:rPr lang="pt-BR" sz="3000" b="1" dirty="0">
                 <a:latin typeface="Aquawax Pro UltraBold" panose="02000003020000020004" pitchFamily="50" charset="0"/>
               </a:rPr>
               <a:t>Emitindo receita</a:t>
             </a:r>
-            <a:r>
-              <a:rPr lang="en" sz="2000" dirty="0"/>
-              <a:t/>
-            </a:r>
             <a:br>
               <a:rPr lang="en" sz="2000" dirty="0"/>
             </a:br>
-            <a:endParaRPr lang="en" sz="2000" dirty="0" smtClean="0"/>
+            <a:endParaRPr lang="en" sz="2000" dirty="0"/>
           </a:p>
         </p:txBody>
       </p:sp>
@@ -13128,13 +12951,6 @@
   <p:clrMapOvr>
     <a:masterClrMapping/>
   </p:clrMapOvr>
-  <p:timing>
-    <p:tnLst>
-      <p:par>
-        <p:cTn id="1" dur="indefinite" restart="never" nodeType="tmRoot"/>
-      </p:par>
-    </p:tnLst>
-  </p:timing>
 </p:sld>
 </file>
 

--- a/docs/apresentacao/Integracao_com_a_Prescricao_Eletronica_do_CFM.pptx
+++ b/docs/apresentacao/Integracao_com_a_Prescricao_Eletronica_do_CFM.pptx
@@ -5,7 +5,7 @@
     <p:sldMasterId id="2147483657" r:id="rId1"/>
   </p:sldMasterIdLst>
   <p:notesMasterIdLst>
-    <p:notesMasterId r:id="rId21"/>
+    <p:notesMasterId r:id="rId17"/>
   </p:notesMasterIdLst>
   <p:sldIdLst>
     <p:sldId id="256" r:id="rId2"/>
@@ -18,32 +18,21 @@
     <p:sldId id="287" r:id="rId9"/>
     <p:sldId id="288" r:id="rId10"/>
     <p:sldId id="279" r:id="rId11"/>
-    <p:sldId id="280" r:id="rId12"/>
-    <p:sldId id="289" r:id="rId13"/>
-    <p:sldId id="291" r:id="rId14"/>
-    <p:sldId id="281" r:id="rId15"/>
-    <p:sldId id="282" r:id="rId16"/>
-    <p:sldId id="283" r:id="rId17"/>
-    <p:sldId id="292" r:id="rId18"/>
-    <p:sldId id="293" r:id="rId19"/>
-    <p:sldId id="295" r:id="rId20"/>
+    <p:sldId id="281" r:id="rId12"/>
+    <p:sldId id="283" r:id="rId13"/>
+    <p:sldId id="292" r:id="rId14"/>
+    <p:sldId id="293" r:id="rId15"/>
+    <p:sldId id="295" r:id="rId16"/>
   </p:sldIdLst>
   <p:sldSz cx="9144000" cy="5143500" type="screen16x9"/>
   <p:notesSz cx="6858000" cy="9144000"/>
   <p:embeddedFontLst>
     <p:embeddedFont>
-      <p:font typeface="Calibri" panose="020F0502020204030204" pitchFamily="34" charset="0"/>
-      <p:regular r:id="rId22"/>
-      <p:bold r:id="rId23"/>
-      <p:italic r:id="rId24"/>
-      <p:boldItalic r:id="rId25"/>
-    </p:embeddedFont>
-    <p:embeddedFont>
       <p:font typeface="Montserrat" panose="00000500000000000000" pitchFamily="2" charset="0"/>
-      <p:regular r:id="rId26"/>
-      <p:bold r:id="rId27"/>
-      <p:italic r:id="rId28"/>
-      <p:boldItalic r:id="rId29"/>
+      <p:regular r:id="rId18"/>
+      <p:bold r:id="rId19"/>
+      <p:italic r:id="rId20"/>
+      <p:boldItalic r:id="rId21"/>
     </p:embeddedFont>
   </p:embeddedFontLst>
   <p:defaultTextStyle>
@@ -1046,7 +1035,7 @@
     </p:spTree>
     <p:extLst>
       <p:ext uri="{BB962C8B-B14F-4D97-AF65-F5344CB8AC3E}">
-        <p14:creationId xmlns:p14="http://schemas.microsoft.com/office/powerpoint/2010/main" val="2619203783"/>
+        <p14:creationId xmlns:p14="http://schemas.microsoft.com/office/powerpoint/2010/main" val="440140500"/>
       </p:ext>
     </p:extLst>
   </p:cSld>
@@ -1061,7 +1050,7 @@
   <p:cSld>
     <p:spTree>
       <p:nvGrpSpPr>
-        <p:cNvPr id="1" name="Shape 243"/>
+        <p:cNvPr id="1" name="Shape 73"/>
         <p:cNvGrpSpPr/>
         <p:nvPr/>
       </p:nvGrpSpPr>
@@ -1075,7 +1064,7 @@
       </p:grpSpPr>
       <p:sp>
         <p:nvSpPr>
-          <p:cNvPr id="244" name="Google Shape;244;g35ed75ccf_0106:notes"/>
+          <p:cNvPr id="74" name="Google Shape;74;g35f391192_04:notes"/>
           <p:cNvSpPr>
             <a:spLocks noGrp="1" noRot="1" noChangeAspect="1"/>
           </p:cNvSpPr>
@@ -1116,7 +1105,7 @@
       </p:sp>
       <p:sp>
         <p:nvSpPr>
-          <p:cNvPr id="245" name="Google Shape;245;g35ed75ccf_0106:notes"/>
+          <p:cNvPr id="75" name="Google Shape;75;g35f391192_04:notes"/>
           <p:cNvSpPr txBox="1">
             <a:spLocks noGrp="1"/>
           </p:cNvSpPr>
@@ -1155,7 +1144,7 @@
     </p:spTree>
     <p:extLst>
       <p:ext uri="{BB962C8B-B14F-4D97-AF65-F5344CB8AC3E}">
-        <p14:creationId xmlns:p14="http://schemas.microsoft.com/office/powerpoint/2010/main" val="1966277410"/>
+        <p14:creationId xmlns:p14="http://schemas.microsoft.com/office/powerpoint/2010/main" val="3717656629"/>
       </p:ext>
     </p:extLst>
   </p:cSld>
@@ -1170,7 +1159,7 @@
   <p:cSld>
     <p:spTree>
       <p:nvGrpSpPr>
-        <p:cNvPr id="1" name="Shape 243"/>
+        <p:cNvPr id="1" name="Shape 263"/>
         <p:cNvGrpSpPr/>
         <p:nvPr/>
       </p:nvGrpSpPr>
@@ -1184,7 +1173,7 @@
       </p:grpSpPr>
       <p:sp>
         <p:nvSpPr>
-          <p:cNvPr id="244" name="Google Shape;244;g35ed75ccf_0106:notes"/>
+          <p:cNvPr id="264" name="Google Shape;264;g35ed75ccf_0113:notes"/>
           <p:cNvSpPr>
             <a:spLocks noGrp="1" noRot="1" noChangeAspect="1"/>
           </p:cNvSpPr>
@@ -1225,7 +1214,7 @@
       </p:sp>
       <p:sp>
         <p:nvSpPr>
-          <p:cNvPr id="245" name="Google Shape;245;g35ed75ccf_0106:notes"/>
+          <p:cNvPr id="265" name="Google Shape;265;g35ed75ccf_0113:notes"/>
           <p:cNvSpPr txBox="1">
             <a:spLocks noGrp="1"/>
           </p:cNvSpPr>
@@ -1264,7 +1253,7 @@
     </p:spTree>
     <p:extLst>
       <p:ext uri="{BB962C8B-B14F-4D97-AF65-F5344CB8AC3E}">
-        <p14:creationId xmlns:p14="http://schemas.microsoft.com/office/powerpoint/2010/main" val="2412876762"/>
+        <p14:creationId xmlns:p14="http://schemas.microsoft.com/office/powerpoint/2010/main" val="640694599"/>
       </p:ext>
     </p:extLst>
   </p:cSld>
@@ -1373,7 +1362,7 @@
     </p:spTree>
     <p:extLst>
       <p:ext uri="{BB962C8B-B14F-4D97-AF65-F5344CB8AC3E}">
-        <p14:creationId xmlns:p14="http://schemas.microsoft.com/office/powerpoint/2010/main" val="440140500"/>
+        <p14:creationId xmlns:p14="http://schemas.microsoft.com/office/powerpoint/2010/main" val="2254675694"/>
       </p:ext>
     </p:extLst>
   </p:cSld>
@@ -1384,442 +1373,6 @@
 </file>
 
 <file path=ppt/notesSlides/notesSlide15.xml><?xml version="1.0" encoding="utf-8"?>
-<p:notes xmlns:a="http://schemas.openxmlformats.org/drawingml/2006/main" xmlns:r="http://schemas.openxmlformats.org/officeDocument/2006/relationships" xmlns:p="http://schemas.openxmlformats.org/presentationml/2006/main" showMasterSp="0" showMasterPhAnim="0">
-  <p:cSld>
-    <p:spTree>
-      <p:nvGrpSpPr>
-        <p:cNvPr id="1" name="Shape 73"/>
-        <p:cNvGrpSpPr/>
-        <p:nvPr/>
-      </p:nvGrpSpPr>
-      <p:grpSpPr>
-        <a:xfrm>
-          <a:off x="0" y="0"/>
-          <a:ext cx="0" cy="0"/>
-          <a:chOff x="0" y="0"/>
-          <a:chExt cx="0" cy="0"/>
-        </a:xfrm>
-      </p:grpSpPr>
-      <p:sp>
-        <p:nvSpPr>
-          <p:cNvPr id="74" name="Google Shape;74;g35f391192_04:notes"/>
-          <p:cNvSpPr>
-            <a:spLocks noGrp="1" noRot="1" noChangeAspect="1"/>
-          </p:cNvSpPr>
-          <p:nvPr>
-            <p:ph type="sldImg" idx="2"/>
-          </p:nvPr>
-        </p:nvSpPr>
-        <p:spPr>
-          <a:xfrm>
-            <a:off x="381000" y="685800"/>
-            <a:ext cx="6096000" cy="3429000"/>
-          </a:xfrm>
-          <a:custGeom>
-            <a:avLst/>
-            <a:gdLst/>
-            <a:ahLst/>
-            <a:cxnLst/>
-            <a:rect l="l" t="t" r="r" b="b"/>
-            <a:pathLst>
-              <a:path w="120000" h="120000" extrusionOk="0">
-                <a:moveTo>
-                  <a:pt x="0" y="0"/>
-                </a:moveTo>
-                <a:lnTo>
-                  <a:pt x="120000" y="0"/>
-                </a:lnTo>
-                <a:lnTo>
-                  <a:pt x="120000" y="120000"/>
-                </a:lnTo>
-                <a:lnTo>
-                  <a:pt x="0" y="120000"/>
-                </a:lnTo>
-                <a:close/>
-              </a:path>
-            </a:pathLst>
-          </a:custGeom>
-        </p:spPr>
-      </p:sp>
-      <p:sp>
-        <p:nvSpPr>
-          <p:cNvPr id="75" name="Google Shape;75;g35f391192_04:notes"/>
-          <p:cNvSpPr txBox="1">
-            <a:spLocks noGrp="1"/>
-          </p:cNvSpPr>
-          <p:nvPr>
-            <p:ph type="body" idx="1"/>
-          </p:nvPr>
-        </p:nvSpPr>
-        <p:spPr>
-          <a:xfrm>
-            <a:off x="685800" y="4343400"/>
-            <a:ext cx="5486400" cy="4114800"/>
-          </a:xfrm>
-          <a:prstGeom prst="rect">
-            <a:avLst/>
-          </a:prstGeom>
-        </p:spPr>
-        <p:txBody>
-          <a:bodyPr spcFirstLastPara="1" wrap="square" lIns="91425" tIns="91425" rIns="91425" bIns="91425" anchor="t" anchorCtr="0">
-            <a:noAutofit/>
-          </a:bodyPr>
-          <a:lstStyle/>
-          <a:p>
-            <a:pPr marL="0" lvl="0" indent="0" algn="l" rtl="0">
-              <a:spcBef>
-                <a:spcPts val="0"/>
-              </a:spcBef>
-              <a:spcAft>
-                <a:spcPts val="0"/>
-              </a:spcAft>
-              <a:buNone/>
-            </a:pPr>
-            <a:endParaRPr/>
-          </a:p>
-        </p:txBody>
-      </p:sp>
-    </p:spTree>
-    <p:extLst>
-      <p:ext uri="{BB962C8B-B14F-4D97-AF65-F5344CB8AC3E}">
-        <p14:creationId xmlns:p14="http://schemas.microsoft.com/office/powerpoint/2010/main" val="3204238051"/>
-      </p:ext>
-    </p:extLst>
-  </p:cSld>
-  <p:clrMapOvr>
-    <a:masterClrMapping/>
-  </p:clrMapOvr>
-</p:notes>
-</file>
-
-<file path=ppt/notesSlides/notesSlide16.xml><?xml version="1.0" encoding="utf-8"?>
-<p:notes xmlns:a="http://schemas.openxmlformats.org/drawingml/2006/main" xmlns:r="http://schemas.openxmlformats.org/officeDocument/2006/relationships" xmlns:p="http://schemas.openxmlformats.org/presentationml/2006/main" showMasterSp="0" showMasterPhAnim="0">
-  <p:cSld>
-    <p:spTree>
-      <p:nvGrpSpPr>
-        <p:cNvPr id="1" name="Shape 73"/>
-        <p:cNvGrpSpPr/>
-        <p:nvPr/>
-      </p:nvGrpSpPr>
-      <p:grpSpPr>
-        <a:xfrm>
-          <a:off x="0" y="0"/>
-          <a:ext cx="0" cy="0"/>
-          <a:chOff x="0" y="0"/>
-          <a:chExt cx="0" cy="0"/>
-        </a:xfrm>
-      </p:grpSpPr>
-      <p:sp>
-        <p:nvSpPr>
-          <p:cNvPr id="74" name="Google Shape;74;g35f391192_04:notes"/>
-          <p:cNvSpPr>
-            <a:spLocks noGrp="1" noRot="1" noChangeAspect="1"/>
-          </p:cNvSpPr>
-          <p:nvPr>
-            <p:ph type="sldImg" idx="2"/>
-          </p:nvPr>
-        </p:nvSpPr>
-        <p:spPr>
-          <a:xfrm>
-            <a:off x="381000" y="685800"/>
-            <a:ext cx="6096000" cy="3429000"/>
-          </a:xfrm>
-          <a:custGeom>
-            <a:avLst/>
-            <a:gdLst/>
-            <a:ahLst/>
-            <a:cxnLst/>
-            <a:rect l="l" t="t" r="r" b="b"/>
-            <a:pathLst>
-              <a:path w="120000" h="120000" extrusionOk="0">
-                <a:moveTo>
-                  <a:pt x="0" y="0"/>
-                </a:moveTo>
-                <a:lnTo>
-                  <a:pt x="120000" y="0"/>
-                </a:lnTo>
-                <a:lnTo>
-                  <a:pt x="120000" y="120000"/>
-                </a:lnTo>
-                <a:lnTo>
-                  <a:pt x="0" y="120000"/>
-                </a:lnTo>
-                <a:close/>
-              </a:path>
-            </a:pathLst>
-          </a:custGeom>
-        </p:spPr>
-      </p:sp>
-      <p:sp>
-        <p:nvSpPr>
-          <p:cNvPr id="75" name="Google Shape;75;g35f391192_04:notes"/>
-          <p:cNvSpPr txBox="1">
-            <a:spLocks noGrp="1"/>
-          </p:cNvSpPr>
-          <p:nvPr>
-            <p:ph type="body" idx="1"/>
-          </p:nvPr>
-        </p:nvSpPr>
-        <p:spPr>
-          <a:xfrm>
-            <a:off x="685800" y="4343400"/>
-            <a:ext cx="5486400" cy="4114800"/>
-          </a:xfrm>
-          <a:prstGeom prst="rect">
-            <a:avLst/>
-          </a:prstGeom>
-        </p:spPr>
-        <p:txBody>
-          <a:bodyPr spcFirstLastPara="1" wrap="square" lIns="91425" tIns="91425" rIns="91425" bIns="91425" anchor="t" anchorCtr="0">
-            <a:noAutofit/>
-          </a:bodyPr>
-          <a:lstStyle/>
-          <a:p>
-            <a:pPr marL="0" lvl="0" indent="0" algn="l" rtl="0">
-              <a:spcBef>
-                <a:spcPts val="0"/>
-              </a:spcBef>
-              <a:spcAft>
-                <a:spcPts val="0"/>
-              </a:spcAft>
-              <a:buNone/>
-            </a:pPr>
-            <a:endParaRPr/>
-          </a:p>
-        </p:txBody>
-      </p:sp>
-    </p:spTree>
-    <p:extLst>
-      <p:ext uri="{BB962C8B-B14F-4D97-AF65-F5344CB8AC3E}">
-        <p14:creationId xmlns:p14="http://schemas.microsoft.com/office/powerpoint/2010/main" val="3717656629"/>
-      </p:ext>
-    </p:extLst>
-  </p:cSld>
-  <p:clrMapOvr>
-    <a:masterClrMapping/>
-  </p:clrMapOvr>
-</p:notes>
-</file>
-
-<file path=ppt/notesSlides/notesSlide17.xml><?xml version="1.0" encoding="utf-8"?>
-<p:notes xmlns:a="http://schemas.openxmlformats.org/drawingml/2006/main" xmlns:r="http://schemas.openxmlformats.org/officeDocument/2006/relationships" xmlns:p="http://schemas.openxmlformats.org/presentationml/2006/main" showMasterSp="0" showMasterPhAnim="0">
-  <p:cSld>
-    <p:spTree>
-      <p:nvGrpSpPr>
-        <p:cNvPr id="1" name="Shape 263"/>
-        <p:cNvGrpSpPr/>
-        <p:nvPr/>
-      </p:nvGrpSpPr>
-      <p:grpSpPr>
-        <a:xfrm>
-          <a:off x="0" y="0"/>
-          <a:ext cx="0" cy="0"/>
-          <a:chOff x="0" y="0"/>
-          <a:chExt cx="0" cy="0"/>
-        </a:xfrm>
-      </p:grpSpPr>
-      <p:sp>
-        <p:nvSpPr>
-          <p:cNvPr id="264" name="Google Shape;264;g35ed75ccf_0113:notes"/>
-          <p:cNvSpPr>
-            <a:spLocks noGrp="1" noRot="1" noChangeAspect="1"/>
-          </p:cNvSpPr>
-          <p:nvPr>
-            <p:ph type="sldImg" idx="2"/>
-          </p:nvPr>
-        </p:nvSpPr>
-        <p:spPr>
-          <a:xfrm>
-            <a:off x="381000" y="685800"/>
-            <a:ext cx="6096000" cy="3429000"/>
-          </a:xfrm>
-          <a:custGeom>
-            <a:avLst/>
-            <a:gdLst/>
-            <a:ahLst/>
-            <a:cxnLst/>
-            <a:rect l="l" t="t" r="r" b="b"/>
-            <a:pathLst>
-              <a:path w="120000" h="120000" extrusionOk="0">
-                <a:moveTo>
-                  <a:pt x="0" y="0"/>
-                </a:moveTo>
-                <a:lnTo>
-                  <a:pt x="120000" y="0"/>
-                </a:lnTo>
-                <a:lnTo>
-                  <a:pt x="120000" y="120000"/>
-                </a:lnTo>
-                <a:lnTo>
-                  <a:pt x="0" y="120000"/>
-                </a:lnTo>
-                <a:close/>
-              </a:path>
-            </a:pathLst>
-          </a:custGeom>
-        </p:spPr>
-      </p:sp>
-      <p:sp>
-        <p:nvSpPr>
-          <p:cNvPr id="265" name="Google Shape;265;g35ed75ccf_0113:notes"/>
-          <p:cNvSpPr txBox="1">
-            <a:spLocks noGrp="1"/>
-          </p:cNvSpPr>
-          <p:nvPr>
-            <p:ph type="body" idx="1"/>
-          </p:nvPr>
-        </p:nvSpPr>
-        <p:spPr>
-          <a:xfrm>
-            <a:off x="685800" y="4343400"/>
-            <a:ext cx="5486400" cy="4114800"/>
-          </a:xfrm>
-          <a:prstGeom prst="rect">
-            <a:avLst/>
-          </a:prstGeom>
-        </p:spPr>
-        <p:txBody>
-          <a:bodyPr spcFirstLastPara="1" wrap="square" lIns="91425" tIns="91425" rIns="91425" bIns="91425" anchor="t" anchorCtr="0">
-            <a:noAutofit/>
-          </a:bodyPr>
-          <a:lstStyle/>
-          <a:p>
-            <a:pPr marL="0" lvl="0" indent="0" algn="l" rtl="0">
-              <a:spcBef>
-                <a:spcPts val="0"/>
-              </a:spcBef>
-              <a:spcAft>
-                <a:spcPts val="0"/>
-              </a:spcAft>
-              <a:buNone/>
-            </a:pPr>
-            <a:endParaRPr/>
-          </a:p>
-        </p:txBody>
-      </p:sp>
-    </p:spTree>
-    <p:extLst>
-      <p:ext uri="{BB962C8B-B14F-4D97-AF65-F5344CB8AC3E}">
-        <p14:creationId xmlns:p14="http://schemas.microsoft.com/office/powerpoint/2010/main" val="640694599"/>
-      </p:ext>
-    </p:extLst>
-  </p:cSld>
-  <p:clrMapOvr>
-    <a:masterClrMapping/>
-  </p:clrMapOvr>
-</p:notes>
-</file>
-
-<file path=ppt/notesSlides/notesSlide18.xml><?xml version="1.0" encoding="utf-8"?>
-<p:notes xmlns:a="http://schemas.openxmlformats.org/drawingml/2006/main" xmlns:r="http://schemas.openxmlformats.org/officeDocument/2006/relationships" xmlns:p="http://schemas.openxmlformats.org/presentationml/2006/main" showMasterSp="0" showMasterPhAnim="0">
-  <p:cSld>
-    <p:spTree>
-      <p:nvGrpSpPr>
-        <p:cNvPr id="1" name="Shape 73"/>
-        <p:cNvGrpSpPr/>
-        <p:nvPr/>
-      </p:nvGrpSpPr>
-      <p:grpSpPr>
-        <a:xfrm>
-          <a:off x="0" y="0"/>
-          <a:ext cx="0" cy="0"/>
-          <a:chOff x="0" y="0"/>
-          <a:chExt cx="0" cy="0"/>
-        </a:xfrm>
-      </p:grpSpPr>
-      <p:sp>
-        <p:nvSpPr>
-          <p:cNvPr id="74" name="Google Shape;74;g35f391192_04:notes"/>
-          <p:cNvSpPr>
-            <a:spLocks noGrp="1" noRot="1" noChangeAspect="1"/>
-          </p:cNvSpPr>
-          <p:nvPr>
-            <p:ph type="sldImg" idx="2"/>
-          </p:nvPr>
-        </p:nvSpPr>
-        <p:spPr>
-          <a:xfrm>
-            <a:off x="381000" y="685800"/>
-            <a:ext cx="6096000" cy="3429000"/>
-          </a:xfrm>
-          <a:custGeom>
-            <a:avLst/>
-            <a:gdLst/>
-            <a:ahLst/>
-            <a:cxnLst/>
-            <a:rect l="l" t="t" r="r" b="b"/>
-            <a:pathLst>
-              <a:path w="120000" h="120000" extrusionOk="0">
-                <a:moveTo>
-                  <a:pt x="0" y="0"/>
-                </a:moveTo>
-                <a:lnTo>
-                  <a:pt x="120000" y="0"/>
-                </a:lnTo>
-                <a:lnTo>
-                  <a:pt x="120000" y="120000"/>
-                </a:lnTo>
-                <a:lnTo>
-                  <a:pt x="0" y="120000"/>
-                </a:lnTo>
-                <a:close/>
-              </a:path>
-            </a:pathLst>
-          </a:custGeom>
-        </p:spPr>
-      </p:sp>
-      <p:sp>
-        <p:nvSpPr>
-          <p:cNvPr id="75" name="Google Shape;75;g35f391192_04:notes"/>
-          <p:cNvSpPr txBox="1">
-            <a:spLocks noGrp="1"/>
-          </p:cNvSpPr>
-          <p:nvPr>
-            <p:ph type="body" idx="1"/>
-          </p:nvPr>
-        </p:nvSpPr>
-        <p:spPr>
-          <a:xfrm>
-            <a:off x="685800" y="4343400"/>
-            <a:ext cx="5486400" cy="4114800"/>
-          </a:xfrm>
-          <a:prstGeom prst="rect">
-            <a:avLst/>
-          </a:prstGeom>
-        </p:spPr>
-        <p:txBody>
-          <a:bodyPr spcFirstLastPara="1" wrap="square" lIns="91425" tIns="91425" rIns="91425" bIns="91425" anchor="t" anchorCtr="0">
-            <a:noAutofit/>
-          </a:bodyPr>
-          <a:lstStyle/>
-          <a:p>
-            <a:pPr marL="0" lvl="0" indent="0" algn="l" rtl="0">
-              <a:spcBef>
-                <a:spcPts val="0"/>
-              </a:spcBef>
-              <a:spcAft>
-                <a:spcPts val="0"/>
-              </a:spcAft>
-              <a:buNone/>
-            </a:pPr>
-            <a:endParaRPr/>
-          </a:p>
-        </p:txBody>
-      </p:sp>
-    </p:spTree>
-    <p:extLst>
-      <p:ext uri="{BB962C8B-B14F-4D97-AF65-F5344CB8AC3E}">
-        <p14:creationId xmlns:p14="http://schemas.microsoft.com/office/powerpoint/2010/main" val="2254675694"/>
-      </p:ext>
-    </p:extLst>
-  </p:cSld>
-  <p:clrMapOvr>
-    <a:masterClrMapping/>
-  </p:clrMapOvr>
-</p:notes>
-</file>
-
-<file path=ppt/notesSlides/notesSlide19.xml><?xml version="1.0" encoding="utf-8"?>
 <p:notes xmlns:a="http://schemas.openxmlformats.org/drawingml/2006/main" xmlns:r="http://schemas.openxmlformats.org/officeDocument/2006/relationships" xmlns:p="http://schemas.openxmlformats.org/presentationml/2006/main" showMasterSp="0" showMasterPhAnim="0">
   <p:cSld>
     <p:spTree>
@@ -4844,7 +4397,7 @@
               <a:rPr lang="pt-BR" sz="2000" dirty="0">
                 <a:latin typeface="Aquawax Pro Light" panose="02000003020000020004" pitchFamily="50" charset="0"/>
               </a:rPr>
-              <a:t>Texto livre</a:t>
+              <a:t>Sistema web, mobile ou desktop?</a:t>
             </a:r>
           </a:p>
           <a:p>
@@ -4857,20 +4410,28 @@
               <a:rPr lang="pt-BR" sz="2000" dirty="0">
                 <a:latin typeface="Aquawax Pro Light" panose="02000003020000020004" pitchFamily="50" charset="0"/>
               </a:rPr>
-              <a:t>Ou Tratamentos </a:t>
+              <a:t>Campos de texto livre ou todo parametrizado?</a:t>
             </a:r>
-            <a:r>
-              <a:rPr lang="pt-BR" sz="2000" dirty="0" err="1">
-                <a:latin typeface="Aquawax Pro Light" panose="02000003020000020004" pitchFamily="50" charset="0"/>
-              </a:rPr>
-              <a:t>pré</a:t>
-            </a:r>
+          </a:p>
+          <a:p>
+            <a:pPr marL="342900" indent="-342900">
+              <a:spcBef>
+                <a:spcPts val="0"/>
+              </a:spcBef>
+            </a:pPr>
             <a:r>
               <a:rPr lang="pt-BR" sz="2000" dirty="0">
                 <a:latin typeface="Aquawax Pro Light" panose="02000003020000020004" pitchFamily="50" charset="0"/>
               </a:rPr>
-              <a:t>-cadastrados</a:t>
+              <a:t>Acessado apenas por médicos ou mais alguém?</a:t>
             </a:r>
+          </a:p>
+          <a:p>
+            <a:pPr marL="342900" indent="-342900">
+              <a:spcBef>
+                <a:spcPts val="0"/>
+              </a:spcBef>
+            </a:pPr>
             <a:endParaRPr sz="2000" dirty="0">
               <a:latin typeface="Aquawax Pro Light" panose="02000003020000020004" pitchFamily="50" charset="0"/>
             </a:endParaRPr>
@@ -5102,7 +4663,7 @@
                 </a:solidFill>
                 <a:latin typeface="Aquawax Pro UltraBold" panose="02000003020000020004" pitchFamily="50" charset="0"/>
               </a:rPr>
-              <a:t>Adaptação CFM</a:t>
+              <a:t>Integração</a:t>
             </a:r>
             <a:endParaRPr sz="7200" b="0" dirty="0">
               <a:solidFill>
@@ -5151,7 +4712,7 @@
               <a:rPr lang="en" sz="4000" dirty="0">
                 <a:latin typeface="Aquawax Pro Bold" panose="02000003020000020004" pitchFamily="50" charset="0"/>
               </a:rPr>
-              <a:t>O que muda no sistema do CFM?</a:t>
+              <a:t>Como funciona a integração?</a:t>
             </a:r>
             <a:endParaRPr sz="4000" dirty="0">
               <a:latin typeface="Aquawax Pro Bold" panose="02000003020000020004" pitchFamily="50" charset="0"/>
@@ -5193,17 +4754,8 @@
               <a:rPr lang="pt-BR" sz="2000" dirty="0">
                 <a:latin typeface="Aquawax Pro Light" panose="02000003020000020004" pitchFamily="50" charset="0"/>
               </a:rPr>
-              <a:t>Nova tela de </a:t>
+              <a:t>1. Embutir componente do CFM</a:t>
             </a:r>
-            <a:r>
-              <a:rPr lang="pt-BR" sz="2000" dirty="0" err="1">
-                <a:latin typeface="Aquawax Pro Light" panose="02000003020000020004" pitchFamily="50" charset="0"/>
-              </a:rPr>
-              <a:t>login</a:t>
-            </a:r>
-            <a:endParaRPr lang="pt-BR" sz="2000" dirty="0">
-              <a:latin typeface="Aquawax Pro Light" panose="02000003020000020004" pitchFamily="50" charset="0"/>
-            </a:endParaRPr>
           </a:p>
           <a:p>
             <a:pPr marL="342900" indent="-342900">
@@ -5215,7 +4767,47 @@
               <a:rPr lang="pt-BR" sz="2000" dirty="0">
                 <a:latin typeface="Aquawax Pro Light" panose="02000003020000020004" pitchFamily="50" charset="0"/>
               </a:rPr>
-              <a:t>Nova tela de prescrição - parametrizável</a:t>
+              <a:t>2. Enviar dados:</a:t>
+            </a:r>
+          </a:p>
+          <a:p>
+            <a:pPr marL="800100" lvl="1" indent="-342900"/>
+            <a:r>
+              <a:rPr lang="pt-BR" sz="1800" dirty="0">
+                <a:latin typeface="Aquawax Pro Light" panose="02000003020000020004" pitchFamily="50" charset="0"/>
+              </a:rPr>
+              <a:t>Unidade de Atendimento</a:t>
+            </a:r>
+          </a:p>
+          <a:p>
+            <a:pPr marL="800100" lvl="1" indent="-342900"/>
+            <a:r>
+              <a:rPr lang="pt-BR" sz="1800" dirty="0">
+                <a:latin typeface="Aquawax Pro Light" panose="02000003020000020004" pitchFamily="50" charset="0"/>
+              </a:rPr>
+              <a:t>Paciente</a:t>
+            </a:r>
+          </a:p>
+          <a:p>
+            <a:pPr marL="800100" lvl="1" indent="-342900"/>
+            <a:r>
+              <a:rPr lang="pt-BR" sz="1800" dirty="0">
+                <a:latin typeface="Aquawax Pro Light" panose="02000003020000020004" pitchFamily="50" charset="0"/>
+              </a:rPr>
+              <a:t>Documento</a:t>
+            </a:r>
+          </a:p>
+          <a:p>
+            <a:pPr marL="342900" indent="-342900">
+              <a:spcBef>
+                <a:spcPts val="0"/>
+              </a:spcBef>
+            </a:pPr>
+            <a:r>
+              <a:rPr lang="pt-BR" sz="2000" dirty="0">
+                <a:latin typeface="Aquawax Pro Light" panose="02000003020000020004" pitchFamily="50" charset="0"/>
+              </a:rPr>
+              <a:t>Receber PDF assinado</a:t>
             </a:r>
             <a:endParaRPr sz="2000" dirty="0">
               <a:latin typeface="Aquawax Pro Light" panose="02000003020000020004" pitchFamily="50" charset="0"/>
@@ -5340,7 +4932,7 @@
     </p:spTree>
     <p:extLst>
       <p:ext uri="{BB962C8B-B14F-4D97-AF65-F5344CB8AC3E}">
-        <p14:creationId xmlns:p14="http://schemas.microsoft.com/office/powerpoint/2010/main" val="543232818"/>
+        <p14:creationId xmlns:p14="http://schemas.microsoft.com/office/powerpoint/2010/main" val="2123325632"/>
       </p:ext>
     </p:extLst>
   </p:cSld>
@@ -5351,2598 +4943,6 @@
 </file>
 
 <file path=ppt/slides/slide12.xml><?xml version="1.0" encoding="utf-8"?>
-<p:sld xmlns:a="http://schemas.openxmlformats.org/drawingml/2006/main" xmlns:r="http://schemas.openxmlformats.org/officeDocument/2006/relationships" xmlns:p="http://schemas.openxmlformats.org/presentationml/2006/main">
-  <p:cSld>
-    <p:spTree>
-      <p:nvGrpSpPr>
-        <p:cNvPr id="1" name="Shape 246"/>
-        <p:cNvGrpSpPr/>
-        <p:nvPr/>
-      </p:nvGrpSpPr>
-      <p:grpSpPr>
-        <a:xfrm>
-          <a:off x="0" y="0"/>
-          <a:ext cx="0" cy="0"/>
-          <a:chOff x="0" y="0"/>
-          <a:chExt cx="0" cy="0"/>
-        </a:xfrm>
-      </p:grpSpPr>
-      <p:sp>
-        <p:nvSpPr>
-          <p:cNvPr id="247" name="Google Shape;247;p28"/>
-          <p:cNvSpPr txBox="1">
-            <a:spLocks noGrp="1"/>
-          </p:cNvSpPr>
-          <p:nvPr>
-            <p:ph type="body" idx="4294967295"/>
-          </p:nvPr>
-        </p:nvSpPr>
-        <p:spPr>
-          <a:xfrm>
-            <a:off x="86307" y="245097"/>
-            <a:ext cx="2335407" cy="4443294"/>
-          </a:xfrm>
-          <a:prstGeom prst="rect">
-            <a:avLst/>
-          </a:prstGeom>
-        </p:spPr>
-        <p:txBody>
-          <a:bodyPr spcFirstLastPara="1" wrap="square" lIns="91425" tIns="91425" rIns="91425" bIns="91425" anchor="b" anchorCtr="0">
-            <a:noAutofit/>
-          </a:bodyPr>
-          <a:lstStyle/>
-          <a:p>
-            <a:pPr marL="0" lvl="0" indent="0" algn="l" rtl="0">
-              <a:spcBef>
-                <a:spcPts val="600"/>
-              </a:spcBef>
-              <a:spcAft>
-                <a:spcPts val="0"/>
-              </a:spcAft>
-              <a:buNone/>
-            </a:pPr>
-            <a:r>
-              <a:rPr lang="pt-BR" sz="3000" b="1" dirty="0">
-                <a:latin typeface="Aquawax Pro UltraBold" panose="02000003020000020004" pitchFamily="50" charset="0"/>
-              </a:rPr>
-              <a:t>Novo</a:t>
-            </a:r>
-          </a:p>
-          <a:p>
-            <a:pPr marL="0" lvl="0" indent="0" algn="l" rtl="0">
-              <a:spcBef>
-                <a:spcPts val="600"/>
-              </a:spcBef>
-              <a:spcAft>
-                <a:spcPts val="0"/>
-              </a:spcAft>
-              <a:buNone/>
-            </a:pPr>
-            <a:r>
-              <a:rPr lang="pt-BR" sz="3000" b="1" dirty="0" err="1">
-                <a:latin typeface="Aquawax Pro UltraBold" panose="02000003020000020004" pitchFamily="50" charset="0"/>
-              </a:rPr>
-              <a:t>login</a:t>
-            </a:r>
-            <a:endParaRPr lang="pt-BR" sz="3000" b="1" dirty="0">
-              <a:latin typeface="Aquawax Pro UltraBold" panose="02000003020000020004" pitchFamily="50" charset="0"/>
-            </a:endParaRPr>
-          </a:p>
-          <a:p>
-            <a:pPr marL="0" lvl="0" indent="0" algn="l" rtl="0">
-              <a:spcBef>
-                <a:spcPts val="600"/>
-              </a:spcBef>
-              <a:spcAft>
-                <a:spcPts val="0"/>
-              </a:spcAft>
-              <a:buNone/>
-            </a:pPr>
-            <a:endParaRPr lang="pt-BR" sz="3000" b="1" dirty="0">
-              <a:latin typeface="Aquawax Pro UltraBold" panose="02000003020000020004" pitchFamily="50" charset="0"/>
-            </a:endParaRPr>
-          </a:p>
-          <a:p>
-            <a:pPr indent="-457200"/>
-            <a:r>
-              <a:rPr lang="pt-BR" sz="3000" b="1" dirty="0">
-                <a:latin typeface="Aquawax Pro UltraBold" panose="02000003020000020004" pitchFamily="50" charset="0"/>
-              </a:rPr>
-              <a:t>Embutido</a:t>
-            </a:r>
-          </a:p>
-          <a:p>
-            <a:pPr indent="-457200"/>
-            <a:r>
-              <a:rPr lang="pt-BR" sz="3000" b="1" dirty="0">
-                <a:latin typeface="Aquawax Pro UltraBold" panose="02000003020000020004" pitchFamily="50" charset="0"/>
-              </a:rPr>
-              <a:t>Mantém sessão</a:t>
-            </a:r>
-            <a:endParaRPr sz="3000" b="1" dirty="0">
-              <a:latin typeface="Aquawax Pro UltraBold" panose="02000003020000020004" pitchFamily="50" charset="0"/>
-            </a:endParaRPr>
-          </a:p>
-          <a:p>
-            <a:pPr marL="0" lvl="0" indent="0" algn="l" rtl="0">
-              <a:spcBef>
-                <a:spcPts val="600"/>
-              </a:spcBef>
-              <a:spcAft>
-                <a:spcPts val="0"/>
-              </a:spcAft>
-              <a:buNone/>
-            </a:pPr>
-            <a:endParaRPr sz="2000" dirty="0"/>
-          </a:p>
-        </p:txBody>
-      </p:sp>
-      <p:sp>
-        <p:nvSpPr>
-          <p:cNvPr id="248" name="Google Shape;248;p28"/>
-          <p:cNvSpPr txBox="1">
-            <a:spLocks noGrp="1"/>
-          </p:cNvSpPr>
-          <p:nvPr>
-            <p:ph type="sldNum" idx="12"/>
-          </p:nvPr>
-        </p:nvSpPr>
-        <p:spPr>
-          <a:xfrm>
-            <a:off x="4297650" y="4777483"/>
-            <a:ext cx="548700" cy="309000"/>
-          </a:xfrm>
-          <a:prstGeom prst="rect">
-            <a:avLst/>
-          </a:prstGeom>
-        </p:spPr>
-        <p:txBody>
-          <a:bodyPr spcFirstLastPara="1" wrap="square" lIns="91425" tIns="91425" rIns="91425" bIns="91425" anchor="t" anchorCtr="0">
-            <a:noAutofit/>
-          </a:bodyPr>
-          <a:lstStyle/>
-          <a:p>
-            <a:pPr marL="0" lvl="0" indent="0" algn="ctr" rtl="0">
-              <a:spcBef>
-                <a:spcPts val="0"/>
-              </a:spcBef>
-              <a:spcAft>
-                <a:spcPts val="0"/>
-              </a:spcAft>
-              <a:buNone/>
-            </a:pPr>
-            <a:fld id="{00000000-1234-1234-1234-123412341234}" type="slidenum">
-              <a:rPr lang="en"/>
-              <a:t>12</a:t>
-            </a:fld>
-            <a:endParaRPr/>
-          </a:p>
-        </p:txBody>
-      </p:sp>
-      <p:grpSp>
-        <p:nvGrpSpPr>
-          <p:cNvPr id="257" name="Google Shape;257;p28"/>
-          <p:cNvGrpSpPr/>
-          <p:nvPr/>
-        </p:nvGrpSpPr>
-        <p:grpSpPr>
-          <a:xfrm>
-            <a:off x="2534235" y="173923"/>
-            <a:ext cx="5297143" cy="4603551"/>
-            <a:chOff x="2112475" y="238125"/>
-            <a:chExt cx="3395050" cy="5238750"/>
-          </a:xfrm>
-        </p:grpSpPr>
-        <p:sp>
-          <p:nvSpPr>
-            <p:cNvPr id="258" name="Google Shape;258;p28"/>
-            <p:cNvSpPr/>
-            <p:nvPr/>
-          </p:nvSpPr>
-          <p:spPr>
-            <a:xfrm>
-              <a:off x="2112475" y="238125"/>
-              <a:ext cx="3395050" cy="5238750"/>
-            </a:xfrm>
-            <a:custGeom>
-              <a:avLst/>
-              <a:gdLst/>
-              <a:ahLst/>
-              <a:cxnLst/>
-              <a:rect l="l" t="t" r="r" b="b"/>
-              <a:pathLst>
-                <a:path w="135802" h="209550" extrusionOk="0">
-                  <a:moveTo>
-                    <a:pt x="132205" y="18886"/>
-                  </a:moveTo>
-                  <a:lnTo>
-                    <a:pt x="132205" y="190364"/>
-                  </a:lnTo>
-                  <a:lnTo>
-                    <a:pt x="3597" y="190364"/>
-                  </a:lnTo>
-                  <a:lnTo>
-                    <a:pt x="3597" y="18886"/>
-                  </a:lnTo>
-                  <a:close/>
-                  <a:moveTo>
-                    <a:pt x="8019" y="0"/>
-                  </a:moveTo>
-                  <a:lnTo>
-                    <a:pt x="7270" y="75"/>
-                  </a:lnTo>
-                  <a:lnTo>
-                    <a:pt x="6445" y="150"/>
-                  </a:lnTo>
-                  <a:lnTo>
-                    <a:pt x="5696" y="375"/>
-                  </a:lnTo>
-                  <a:lnTo>
-                    <a:pt x="4946" y="600"/>
-                  </a:lnTo>
-                  <a:lnTo>
-                    <a:pt x="4197" y="974"/>
-                  </a:lnTo>
-                  <a:lnTo>
-                    <a:pt x="3522" y="1349"/>
-                  </a:lnTo>
-                  <a:lnTo>
-                    <a:pt x="2923" y="1874"/>
-                  </a:lnTo>
-                  <a:lnTo>
-                    <a:pt x="2323" y="2323"/>
-                  </a:lnTo>
-                  <a:lnTo>
-                    <a:pt x="1874" y="2923"/>
-                  </a:lnTo>
-                  <a:lnTo>
-                    <a:pt x="1349" y="3522"/>
-                  </a:lnTo>
-                  <a:lnTo>
-                    <a:pt x="974" y="4197"/>
-                  </a:lnTo>
-                  <a:lnTo>
-                    <a:pt x="600" y="4946"/>
-                  </a:lnTo>
-                  <a:lnTo>
-                    <a:pt x="375" y="5696"/>
-                  </a:lnTo>
-                  <a:lnTo>
-                    <a:pt x="150" y="6445"/>
-                  </a:lnTo>
-                  <a:lnTo>
-                    <a:pt x="75" y="7270"/>
-                  </a:lnTo>
-                  <a:lnTo>
-                    <a:pt x="0" y="8019"/>
-                  </a:lnTo>
-                  <a:lnTo>
-                    <a:pt x="0" y="201531"/>
-                  </a:lnTo>
-                  <a:lnTo>
-                    <a:pt x="75" y="202280"/>
-                  </a:lnTo>
-                  <a:lnTo>
-                    <a:pt x="150" y="203105"/>
-                  </a:lnTo>
-                  <a:lnTo>
-                    <a:pt x="375" y="203854"/>
-                  </a:lnTo>
-                  <a:lnTo>
-                    <a:pt x="600" y="204604"/>
-                  </a:lnTo>
-                  <a:lnTo>
-                    <a:pt x="974" y="205353"/>
-                  </a:lnTo>
-                  <a:lnTo>
-                    <a:pt x="1349" y="206028"/>
-                  </a:lnTo>
-                  <a:lnTo>
-                    <a:pt x="1874" y="206627"/>
-                  </a:lnTo>
-                  <a:lnTo>
-                    <a:pt x="2323" y="207227"/>
-                  </a:lnTo>
-                  <a:lnTo>
-                    <a:pt x="2923" y="207676"/>
-                  </a:lnTo>
-                  <a:lnTo>
-                    <a:pt x="3522" y="208201"/>
-                  </a:lnTo>
-                  <a:lnTo>
-                    <a:pt x="4197" y="208576"/>
-                  </a:lnTo>
-                  <a:lnTo>
-                    <a:pt x="4946" y="208950"/>
-                  </a:lnTo>
-                  <a:lnTo>
-                    <a:pt x="5696" y="209175"/>
-                  </a:lnTo>
-                  <a:lnTo>
-                    <a:pt x="6445" y="209400"/>
-                  </a:lnTo>
-                  <a:lnTo>
-                    <a:pt x="7270" y="209475"/>
-                  </a:lnTo>
-                  <a:lnTo>
-                    <a:pt x="8019" y="209550"/>
-                  </a:lnTo>
-                  <a:lnTo>
-                    <a:pt x="127783" y="209550"/>
-                  </a:lnTo>
-                  <a:lnTo>
-                    <a:pt x="128532" y="209475"/>
-                  </a:lnTo>
-                  <a:lnTo>
-                    <a:pt x="129357" y="209400"/>
-                  </a:lnTo>
-                  <a:lnTo>
-                    <a:pt x="130106" y="209175"/>
-                  </a:lnTo>
-                  <a:lnTo>
-                    <a:pt x="130856" y="208950"/>
-                  </a:lnTo>
-                  <a:lnTo>
-                    <a:pt x="131605" y="208576"/>
-                  </a:lnTo>
-                  <a:lnTo>
-                    <a:pt x="132280" y="208201"/>
-                  </a:lnTo>
-                  <a:lnTo>
-                    <a:pt x="132879" y="207676"/>
-                  </a:lnTo>
-                  <a:lnTo>
-                    <a:pt x="133479" y="207227"/>
-                  </a:lnTo>
-                  <a:lnTo>
-                    <a:pt x="133928" y="206627"/>
-                  </a:lnTo>
-                  <a:lnTo>
-                    <a:pt x="134453" y="206028"/>
-                  </a:lnTo>
-                  <a:lnTo>
-                    <a:pt x="134828" y="205353"/>
-                  </a:lnTo>
-                  <a:lnTo>
-                    <a:pt x="135202" y="204604"/>
-                  </a:lnTo>
-                  <a:lnTo>
-                    <a:pt x="135427" y="203854"/>
-                  </a:lnTo>
-                  <a:lnTo>
-                    <a:pt x="135652" y="203105"/>
-                  </a:lnTo>
-                  <a:lnTo>
-                    <a:pt x="135727" y="202280"/>
-                  </a:lnTo>
-                  <a:lnTo>
-                    <a:pt x="135802" y="201531"/>
-                  </a:lnTo>
-                  <a:lnTo>
-                    <a:pt x="135802" y="8019"/>
-                  </a:lnTo>
-                  <a:lnTo>
-                    <a:pt x="135727" y="7270"/>
-                  </a:lnTo>
-                  <a:lnTo>
-                    <a:pt x="135652" y="6445"/>
-                  </a:lnTo>
-                  <a:lnTo>
-                    <a:pt x="135427" y="5696"/>
-                  </a:lnTo>
-                  <a:lnTo>
-                    <a:pt x="135202" y="4946"/>
-                  </a:lnTo>
-                  <a:lnTo>
-                    <a:pt x="134828" y="4197"/>
-                  </a:lnTo>
-                  <a:lnTo>
-                    <a:pt x="134453" y="3522"/>
-                  </a:lnTo>
-                  <a:lnTo>
-                    <a:pt x="133928" y="2923"/>
-                  </a:lnTo>
-                  <a:lnTo>
-                    <a:pt x="133479" y="2323"/>
-                  </a:lnTo>
-                  <a:lnTo>
-                    <a:pt x="132879" y="1874"/>
-                  </a:lnTo>
-                  <a:lnTo>
-                    <a:pt x="132280" y="1349"/>
-                  </a:lnTo>
-                  <a:lnTo>
-                    <a:pt x="131605" y="974"/>
-                  </a:lnTo>
-                  <a:lnTo>
-                    <a:pt x="130856" y="600"/>
-                  </a:lnTo>
-                  <a:lnTo>
-                    <a:pt x="130106" y="375"/>
-                  </a:lnTo>
-                  <a:lnTo>
-                    <a:pt x="129357" y="150"/>
-                  </a:lnTo>
-                  <a:lnTo>
-                    <a:pt x="128532" y="75"/>
-                  </a:lnTo>
-                  <a:lnTo>
-                    <a:pt x="127783" y="0"/>
-                  </a:lnTo>
-                  <a:close/>
-                </a:path>
-              </a:pathLst>
-            </a:custGeom>
-            <a:solidFill>
-              <a:schemeClr val="dk1"/>
-            </a:solidFill>
-            <a:ln>
-              <a:noFill/>
-            </a:ln>
-          </p:spPr>
-          <p:txBody>
-            <a:bodyPr spcFirstLastPara="1" wrap="square" lIns="91425" tIns="91425" rIns="91425" bIns="91425" anchor="ctr" anchorCtr="0">
-              <a:noAutofit/>
-            </a:bodyPr>
-            <a:lstStyle/>
-            <a:p>
-              <a:pPr marL="0" lvl="0" indent="0" algn="l" rtl="0">
-                <a:spcBef>
-                  <a:spcPts val="0"/>
-                </a:spcBef>
-                <a:spcAft>
-                  <a:spcPts val="0"/>
-                </a:spcAft>
-                <a:buNone/>
-              </a:pPr>
-              <a:endParaRPr/>
-            </a:p>
-          </p:txBody>
-        </p:sp>
-        <p:sp>
-          <p:nvSpPr>
-            <p:cNvPr id="259" name="Google Shape;259;p28"/>
-            <p:cNvSpPr/>
-            <p:nvPr/>
-          </p:nvSpPr>
-          <p:spPr>
-            <a:xfrm>
-              <a:off x="3671350" y="5147100"/>
-              <a:ext cx="279175" cy="179900"/>
-            </a:xfrm>
-            <a:custGeom>
-              <a:avLst/>
-              <a:gdLst/>
-              <a:ahLst/>
-              <a:cxnLst/>
-              <a:rect l="l" t="t" r="r" b="b"/>
-              <a:pathLst>
-                <a:path w="11167" h="7196" extrusionOk="0">
-                  <a:moveTo>
-                    <a:pt x="3597" y="0"/>
-                  </a:moveTo>
-                  <a:lnTo>
-                    <a:pt x="2848" y="75"/>
-                  </a:lnTo>
-                  <a:lnTo>
-                    <a:pt x="2173" y="300"/>
-                  </a:lnTo>
-                  <a:lnTo>
-                    <a:pt x="1574" y="600"/>
-                  </a:lnTo>
-                  <a:lnTo>
-                    <a:pt x="1049" y="1050"/>
-                  </a:lnTo>
-                  <a:lnTo>
-                    <a:pt x="600" y="1574"/>
-                  </a:lnTo>
-                  <a:lnTo>
-                    <a:pt x="300" y="2174"/>
-                  </a:lnTo>
-                  <a:lnTo>
-                    <a:pt x="75" y="2848"/>
-                  </a:lnTo>
-                  <a:lnTo>
-                    <a:pt x="0" y="3598"/>
-                  </a:lnTo>
-                  <a:lnTo>
-                    <a:pt x="75" y="4347"/>
-                  </a:lnTo>
-                  <a:lnTo>
-                    <a:pt x="300" y="5022"/>
-                  </a:lnTo>
-                  <a:lnTo>
-                    <a:pt x="600" y="5621"/>
-                  </a:lnTo>
-                  <a:lnTo>
-                    <a:pt x="1049" y="6146"/>
-                  </a:lnTo>
-                  <a:lnTo>
-                    <a:pt x="1574" y="6596"/>
-                  </a:lnTo>
-                  <a:lnTo>
-                    <a:pt x="2173" y="6896"/>
-                  </a:lnTo>
-                  <a:lnTo>
-                    <a:pt x="2848" y="7120"/>
-                  </a:lnTo>
-                  <a:lnTo>
-                    <a:pt x="3597" y="7195"/>
-                  </a:lnTo>
-                  <a:lnTo>
-                    <a:pt x="7644" y="7195"/>
-                  </a:lnTo>
-                  <a:lnTo>
-                    <a:pt x="8319" y="7120"/>
-                  </a:lnTo>
-                  <a:lnTo>
-                    <a:pt x="8994" y="6896"/>
-                  </a:lnTo>
-                  <a:lnTo>
-                    <a:pt x="9593" y="6596"/>
-                  </a:lnTo>
-                  <a:lnTo>
-                    <a:pt x="10118" y="6146"/>
-                  </a:lnTo>
-                  <a:lnTo>
-                    <a:pt x="10567" y="5621"/>
-                  </a:lnTo>
-                  <a:lnTo>
-                    <a:pt x="10867" y="5022"/>
-                  </a:lnTo>
-                  <a:lnTo>
-                    <a:pt x="11092" y="4347"/>
-                  </a:lnTo>
-                  <a:lnTo>
-                    <a:pt x="11167" y="3598"/>
-                  </a:lnTo>
-                  <a:lnTo>
-                    <a:pt x="11092" y="2848"/>
-                  </a:lnTo>
-                  <a:lnTo>
-                    <a:pt x="10867" y="2174"/>
-                  </a:lnTo>
-                  <a:lnTo>
-                    <a:pt x="10567" y="1574"/>
-                  </a:lnTo>
-                  <a:lnTo>
-                    <a:pt x="10118" y="1050"/>
-                  </a:lnTo>
-                  <a:lnTo>
-                    <a:pt x="9593" y="600"/>
-                  </a:lnTo>
-                  <a:lnTo>
-                    <a:pt x="8994" y="300"/>
-                  </a:lnTo>
-                  <a:lnTo>
-                    <a:pt x="8319" y="75"/>
-                  </a:lnTo>
-                  <a:lnTo>
-                    <a:pt x="7644" y="0"/>
-                  </a:lnTo>
-                  <a:close/>
-                </a:path>
-              </a:pathLst>
-            </a:custGeom>
-            <a:solidFill>
-              <a:schemeClr val="accent4"/>
-            </a:solidFill>
-            <a:ln>
-              <a:noFill/>
-            </a:ln>
-          </p:spPr>
-          <p:txBody>
-            <a:bodyPr spcFirstLastPara="1" wrap="square" lIns="91425" tIns="91425" rIns="91425" bIns="91425" anchor="ctr" anchorCtr="0">
-              <a:noAutofit/>
-            </a:bodyPr>
-            <a:lstStyle/>
-            <a:p>
-              <a:pPr marL="0" lvl="0" indent="0" algn="l" rtl="0">
-                <a:spcBef>
-                  <a:spcPts val="0"/>
-                </a:spcBef>
-                <a:spcAft>
-                  <a:spcPts val="0"/>
-                </a:spcAft>
-                <a:buNone/>
-              </a:pPr>
-              <a:endParaRPr/>
-            </a:p>
-          </p:txBody>
-        </p:sp>
-        <p:sp>
-          <p:nvSpPr>
-            <p:cNvPr id="260" name="Google Shape;260;p28"/>
-            <p:cNvSpPr/>
-            <p:nvPr/>
-          </p:nvSpPr>
-          <p:spPr>
-            <a:xfrm>
-              <a:off x="3650725" y="446100"/>
-              <a:ext cx="54375" cy="54350"/>
-            </a:xfrm>
-            <a:custGeom>
-              <a:avLst/>
-              <a:gdLst/>
-              <a:ahLst/>
-              <a:cxnLst/>
-              <a:rect l="l" t="t" r="r" b="b"/>
-              <a:pathLst>
-                <a:path w="2175" h="2174" extrusionOk="0">
-                  <a:moveTo>
-                    <a:pt x="1125" y="0"/>
-                  </a:moveTo>
-                  <a:lnTo>
-                    <a:pt x="825" y="75"/>
-                  </a:lnTo>
-                  <a:lnTo>
-                    <a:pt x="675" y="75"/>
-                  </a:lnTo>
-                  <a:lnTo>
-                    <a:pt x="450" y="225"/>
-                  </a:lnTo>
-                  <a:lnTo>
-                    <a:pt x="300" y="300"/>
-                  </a:lnTo>
-                  <a:lnTo>
-                    <a:pt x="225" y="525"/>
-                  </a:lnTo>
-                  <a:lnTo>
-                    <a:pt x="76" y="675"/>
-                  </a:lnTo>
-                  <a:lnTo>
-                    <a:pt x="1" y="824"/>
-                  </a:lnTo>
-                  <a:lnTo>
-                    <a:pt x="1" y="1124"/>
-                  </a:lnTo>
-                  <a:lnTo>
-                    <a:pt x="1" y="1349"/>
-                  </a:lnTo>
-                  <a:lnTo>
-                    <a:pt x="76" y="1499"/>
-                  </a:lnTo>
-                  <a:lnTo>
-                    <a:pt x="225" y="1649"/>
-                  </a:lnTo>
-                  <a:lnTo>
-                    <a:pt x="300" y="1874"/>
-                  </a:lnTo>
-                  <a:lnTo>
-                    <a:pt x="450" y="2024"/>
-                  </a:lnTo>
-                  <a:lnTo>
-                    <a:pt x="675" y="2099"/>
-                  </a:lnTo>
-                  <a:lnTo>
-                    <a:pt x="825" y="2173"/>
-                  </a:lnTo>
-                  <a:lnTo>
-                    <a:pt x="1275" y="2173"/>
-                  </a:lnTo>
-                  <a:lnTo>
-                    <a:pt x="1500" y="2099"/>
-                  </a:lnTo>
-                  <a:lnTo>
-                    <a:pt x="1649" y="2024"/>
-                  </a:lnTo>
-                  <a:lnTo>
-                    <a:pt x="1799" y="1874"/>
-                  </a:lnTo>
-                  <a:lnTo>
-                    <a:pt x="1949" y="1649"/>
-                  </a:lnTo>
-                  <a:lnTo>
-                    <a:pt x="2099" y="1499"/>
-                  </a:lnTo>
-                  <a:lnTo>
-                    <a:pt x="2099" y="1349"/>
-                  </a:lnTo>
-                  <a:lnTo>
-                    <a:pt x="2174" y="1124"/>
-                  </a:lnTo>
-                  <a:lnTo>
-                    <a:pt x="2099" y="824"/>
-                  </a:lnTo>
-                  <a:lnTo>
-                    <a:pt x="2099" y="675"/>
-                  </a:lnTo>
-                  <a:lnTo>
-                    <a:pt x="1949" y="525"/>
-                  </a:lnTo>
-                  <a:lnTo>
-                    <a:pt x="1799" y="300"/>
-                  </a:lnTo>
-                  <a:lnTo>
-                    <a:pt x="1649" y="225"/>
-                  </a:lnTo>
-                  <a:lnTo>
-                    <a:pt x="1500" y="75"/>
-                  </a:lnTo>
-                  <a:lnTo>
-                    <a:pt x="1275" y="75"/>
-                  </a:lnTo>
-                  <a:lnTo>
-                    <a:pt x="1125" y="0"/>
-                  </a:lnTo>
-                  <a:close/>
-                </a:path>
-              </a:pathLst>
-            </a:custGeom>
-            <a:solidFill>
-              <a:schemeClr val="accent4"/>
-            </a:solidFill>
-            <a:ln>
-              <a:noFill/>
-            </a:ln>
-          </p:spPr>
-          <p:txBody>
-            <a:bodyPr spcFirstLastPara="1" wrap="square" lIns="91425" tIns="91425" rIns="91425" bIns="91425" anchor="ctr" anchorCtr="0">
-              <a:noAutofit/>
-            </a:bodyPr>
-            <a:lstStyle/>
-            <a:p>
-              <a:pPr marL="0" lvl="0" indent="0" algn="l" rtl="0">
-                <a:spcBef>
-                  <a:spcPts val="0"/>
-                </a:spcBef>
-                <a:spcAft>
-                  <a:spcPts val="0"/>
-                </a:spcAft>
-                <a:buNone/>
-              </a:pPr>
-              <a:endParaRPr/>
-            </a:p>
-          </p:txBody>
-        </p:sp>
-        <p:sp>
-          <p:nvSpPr>
-            <p:cNvPr id="261" name="Google Shape;261;p28"/>
-            <p:cNvSpPr/>
-            <p:nvPr/>
-          </p:nvSpPr>
-          <p:spPr>
-            <a:xfrm>
-              <a:off x="3761275" y="423600"/>
-              <a:ext cx="99325" cy="99325"/>
-            </a:xfrm>
-            <a:custGeom>
-              <a:avLst/>
-              <a:gdLst/>
-              <a:ahLst/>
-              <a:cxnLst/>
-              <a:rect l="l" t="t" r="r" b="b"/>
-              <a:pathLst>
-                <a:path w="3973" h="3973" extrusionOk="0">
-                  <a:moveTo>
-                    <a:pt x="2024" y="1"/>
-                  </a:moveTo>
-                  <a:lnTo>
-                    <a:pt x="1574" y="76"/>
-                  </a:lnTo>
-                  <a:lnTo>
-                    <a:pt x="1200" y="151"/>
-                  </a:lnTo>
-                  <a:lnTo>
-                    <a:pt x="900" y="375"/>
-                  </a:lnTo>
-                  <a:lnTo>
-                    <a:pt x="600" y="600"/>
-                  </a:lnTo>
-                  <a:lnTo>
-                    <a:pt x="375" y="900"/>
-                  </a:lnTo>
-                  <a:lnTo>
-                    <a:pt x="150" y="1200"/>
-                  </a:lnTo>
-                  <a:lnTo>
-                    <a:pt x="75" y="1575"/>
-                  </a:lnTo>
-                  <a:lnTo>
-                    <a:pt x="0" y="2024"/>
-                  </a:lnTo>
-                  <a:lnTo>
-                    <a:pt x="75" y="2399"/>
-                  </a:lnTo>
-                  <a:lnTo>
-                    <a:pt x="150" y="2774"/>
-                  </a:lnTo>
-                  <a:lnTo>
-                    <a:pt x="375" y="3073"/>
-                  </a:lnTo>
-                  <a:lnTo>
-                    <a:pt x="600" y="3373"/>
-                  </a:lnTo>
-                  <a:lnTo>
-                    <a:pt x="900" y="3673"/>
-                  </a:lnTo>
-                  <a:lnTo>
-                    <a:pt x="1200" y="3823"/>
-                  </a:lnTo>
-                  <a:lnTo>
-                    <a:pt x="1574" y="3973"/>
-                  </a:lnTo>
-                  <a:lnTo>
-                    <a:pt x="2399" y="3973"/>
-                  </a:lnTo>
-                  <a:lnTo>
-                    <a:pt x="2773" y="3823"/>
-                  </a:lnTo>
-                  <a:lnTo>
-                    <a:pt x="3073" y="3673"/>
-                  </a:lnTo>
-                  <a:lnTo>
-                    <a:pt x="3373" y="3373"/>
-                  </a:lnTo>
-                  <a:lnTo>
-                    <a:pt x="3598" y="3073"/>
-                  </a:lnTo>
-                  <a:lnTo>
-                    <a:pt x="3823" y="2774"/>
-                  </a:lnTo>
-                  <a:lnTo>
-                    <a:pt x="3898" y="2399"/>
-                  </a:lnTo>
-                  <a:lnTo>
-                    <a:pt x="3973" y="2024"/>
-                  </a:lnTo>
-                  <a:lnTo>
-                    <a:pt x="3898" y="1575"/>
-                  </a:lnTo>
-                  <a:lnTo>
-                    <a:pt x="3823" y="1200"/>
-                  </a:lnTo>
-                  <a:lnTo>
-                    <a:pt x="3598" y="900"/>
-                  </a:lnTo>
-                  <a:lnTo>
-                    <a:pt x="3373" y="600"/>
-                  </a:lnTo>
-                  <a:lnTo>
-                    <a:pt x="3073" y="375"/>
-                  </a:lnTo>
-                  <a:lnTo>
-                    <a:pt x="2773" y="151"/>
-                  </a:lnTo>
-                  <a:lnTo>
-                    <a:pt x="2399" y="76"/>
-                  </a:lnTo>
-                  <a:lnTo>
-                    <a:pt x="2024" y="1"/>
-                  </a:lnTo>
-                  <a:close/>
-                </a:path>
-              </a:pathLst>
-            </a:custGeom>
-            <a:solidFill>
-              <a:schemeClr val="accent4"/>
-            </a:solidFill>
-            <a:ln>
-              <a:noFill/>
-            </a:ln>
-          </p:spPr>
-          <p:txBody>
-            <a:bodyPr spcFirstLastPara="1" wrap="square" lIns="91425" tIns="91425" rIns="91425" bIns="91425" anchor="ctr" anchorCtr="0">
-              <a:noAutofit/>
-            </a:bodyPr>
-            <a:lstStyle/>
-            <a:p>
-              <a:pPr marL="0" lvl="0" indent="0" algn="l" rtl="0">
-                <a:spcBef>
-                  <a:spcPts val="0"/>
-                </a:spcBef>
-                <a:spcAft>
-                  <a:spcPts val="0"/>
-                </a:spcAft>
-                <a:buNone/>
-              </a:pPr>
-              <a:endParaRPr/>
-            </a:p>
-          </p:txBody>
-        </p:sp>
-      </p:grpSp>
-      <p:pic>
-        <p:nvPicPr>
-          <p:cNvPr id="262" name="Google Shape;262;p28"/>
-          <p:cNvPicPr preferRelativeResize="0"/>
-          <p:nvPr/>
-        </p:nvPicPr>
-        <p:blipFill>
-          <a:blip r:embed="rId3">
-            <a:alphaModFix/>
-          </a:blip>
-          <a:stretch>
-            <a:fillRect/>
-          </a:stretch>
-        </p:blipFill>
-        <p:spPr>
-          <a:xfrm>
-            <a:off x="7943900" y="3903225"/>
-            <a:ext cx="874249" cy="874249"/>
-          </a:xfrm>
-          <a:prstGeom prst="rect">
-            <a:avLst/>
-          </a:prstGeom>
-          <a:noFill/>
-          <a:ln>
-            <a:noFill/>
-          </a:ln>
-        </p:spPr>
-      </p:pic>
-      <p:pic>
-        <p:nvPicPr>
-          <p:cNvPr id="2" name="Imagem 1"/>
-          <p:cNvPicPr>
-            <a:picLocks noChangeAspect="1"/>
-          </p:cNvPicPr>
-          <p:nvPr/>
-        </p:nvPicPr>
-        <p:blipFill>
-          <a:blip r:embed="rId4"/>
-          <a:stretch>
-            <a:fillRect/>
-          </a:stretch>
-        </p:blipFill>
-        <p:spPr>
-          <a:xfrm>
-            <a:off x="2674665" y="572901"/>
-            <a:ext cx="5053861" cy="3805594"/>
-          </a:xfrm>
-          <a:prstGeom prst="rect">
-            <a:avLst/>
-          </a:prstGeom>
-        </p:spPr>
-      </p:pic>
-    </p:spTree>
-    <p:extLst>
-      <p:ext uri="{BB962C8B-B14F-4D97-AF65-F5344CB8AC3E}">
-        <p14:creationId xmlns:p14="http://schemas.microsoft.com/office/powerpoint/2010/main" val="2737884745"/>
-      </p:ext>
-    </p:extLst>
-  </p:cSld>
-  <p:clrMapOvr>
-    <a:masterClrMapping/>
-  </p:clrMapOvr>
-</p:sld>
-</file>
-
-<file path=ppt/slides/slide13.xml><?xml version="1.0" encoding="utf-8"?>
-<p:sld xmlns:a="http://schemas.openxmlformats.org/drawingml/2006/main" xmlns:r="http://schemas.openxmlformats.org/officeDocument/2006/relationships" xmlns:p="http://schemas.openxmlformats.org/presentationml/2006/main">
-  <p:cSld>
-    <p:spTree>
-      <p:nvGrpSpPr>
-        <p:cNvPr id="1" name="Shape 246"/>
-        <p:cNvGrpSpPr/>
-        <p:nvPr/>
-      </p:nvGrpSpPr>
-      <p:grpSpPr>
-        <a:xfrm>
-          <a:off x="0" y="0"/>
-          <a:ext cx="0" cy="0"/>
-          <a:chOff x="0" y="0"/>
-          <a:chExt cx="0" cy="0"/>
-        </a:xfrm>
-      </p:grpSpPr>
-      <p:sp>
-        <p:nvSpPr>
-          <p:cNvPr id="247" name="Google Shape;247;p28"/>
-          <p:cNvSpPr txBox="1">
-            <a:spLocks noGrp="1"/>
-          </p:cNvSpPr>
-          <p:nvPr>
-            <p:ph type="body" idx="4294967295"/>
-          </p:nvPr>
-        </p:nvSpPr>
-        <p:spPr>
-          <a:xfrm>
-            <a:off x="86307" y="245097"/>
-            <a:ext cx="2335407" cy="4443294"/>
-          </a:xfrm>
-          <a:prstGeom prst="rect">
-            <a:avLst/>
-          </a:prstGeom>
-        </p:spPr>
-        <p:txBody>
-          <a:bodyPr spcFirstLastPara="1" wrap="square" lIns="91425" tIns="91425" rIns="91425" bIns="91425" anchor="b" anchorCtr="0">
-            <a:noAutofit/>
-          </a:bodyPr>
-          <a:lstStyle/>
-          <a:p>
-            <a:pPr marL="0" lvl="0" indent="0" algn="l" rtl="0">
-              <a:spcBef>
-                <a:spcPts val="600"/>
-              </a:spcBef>
-              <a:spcAft>
-                <a:spcPts val="0"/>
-              </a:spcAft>
-              <a:buNone/>
-            </a:pPr>
-            <a:r>
-              <a:rPr lang="pt-BR" sz="3000" b="1" dirty="0">
-                <a:latin typeface="Aquawax Pro UltraBold" panose="02000003020000020004" pitchFamily="50" charset="0"/>
-              </a:rPr>
-              <a:t>Nova prescrição</a:t>
-            </a:r>
-          </a:p>
-          <a:p>
-            <a:pPr marL="0" lvl="0" indent="0" algn="l" rtl="0">
-              <a:spcBef>
-                <a:spcPts val="600"/>
-              </a:spcBef>
-              <a:spcAft>
-                <a:spcPts val="0"/>
-              </a:spcAft>
-              <a:buNone/>
-            </a:pPr>
-            <a:endParaRPr lang="pt-BR" sz="3000" b="1" dirty="0">
-              <a:latin typeface="Aquawax Pro UltraBold" panose="02000003020000020004" pitchFamily="50" charset="0"/>
-            </a:endParaRPr>
-          </a:p>
-          <a:p>
-            <a:pPr indent="-457200"/>
-            <a:r>
-              <a:rPr lang="pt-BR" sz="3000" b="1" dirty="0">
-                <a:latin typeface="Aquawax Pro UltraBold" panose="02000003020000020004" pitchFamily="50" charset="0"/>
-              </a:rPr>
-              <a:t>Embutida</a:t>
-            </a:r>
-          </a:p>
-          <a:p>
-            <a:pPr indent="-457200"/>
-            <a:r>
-              <a:rPr lang="pt-BR" sz="3000" b="1" dirty="0" err="1">
-                <a:latin typeface="Aquawax Pro UltraBold" panose="02000003020000020004" pitchFamily="50" charset="0"/>
-              </a:rPr>
-              <a:t>Parame-trizada</a:t>
-            </a:r>
-            <a:endParaRPr sz="3000" b="1" dirty="0">
-              <a:latin typeface="Aquawax Pro UltraBold" panose="02000003020000020004" pitchFamily="50" charset="0"/>
-            </a:endParaRPr>
-          </a:p>
-          <a:p>
-            <a:pPr marL="0" lvl="0" indent="0" algn="l" rtl="0">
-              <a:spcBef>
-                <a:spcPts val="600"/>
-              </a:spcBef>
-              <a:spcAft>
-                <a:spcPts val="0"/>
-              </a:spcAft>
-              <a:buNone/>
-            </a:pPr>
-            <a:endParaRPr sz="2000" dirty="0"/>
-          </a:p>
-        </p:txBody>
-      </p:sp>
-      <p:sp>
-        <p:nvSpPr>
-          <p:cNvPr id="248" name="Google Shape;248;p28"/>
-          <p:cNvSpPr txBox="1">
-            <a:spLocks noGrp="1"/>
-          </p:cNvSpPr>
-          <p:nvPr>
-            <p:ph type="sldNum" idx="12"/>
-          </p:nvPr>
-        </p:nvSpPr>
-        <p:spPr>
-          <a:xfrm>
-            <a:off x="4297650" y="4777483"/>
-            <a:ext cx="548700" cy="309000"/>
-          </a:xfrm>
-          <a:prstGeom prst="rect">
-            <a:avLst/>
-          </a:prstGeom>
-        </p:spPr>
-        <p:txBody>
-          <a:bodyPr spcFirstLastPara="1" wrap="square" lIns="91425" tIns="91425" rIns="91425" bIns="91425" anchor="t" anchorCtr="0">
-            <a:noAutofit/>
-          </a:bodyPr>
-          <a:lstStyle/>
-          <a:p>
-            <a:pPr marL="0" lvl="0" indent="0" algn="ctr" rtl="0">
-              <a:spcBef>
-                <a:spcPts val="0"/>
-              </a:spcBef>
-              <a:spcAft>
-                <a:spcPts val="0"/>
-              </a:spcAft>
-              <a:buNone/>
-            </a:pPr>
-            <a:fld id="{00000000-1234-1234-1234-123412341234}" type="slidenum">
-              <a:rPr lang="en"/>
-              <a:t>13</a:t>
-            </a:fld>
-            <a:endParaRPr/>
-          </a:p>
-        </p:txBody>
-      </p:sp>
-      <p:grpSp>
-        <p:nvGrpSpPr>
-          <p:cNvPr id="257" name="Google Shape;257;p28"/>
-          <p:cNvGrpSpPr/>
-          <p:nvPr/>
-        </p:nvGrpSpPr>
-        <p:grpSpPr>
-          <a:xfrm>
-            <a:off x="2534235" y="173923"/>
-            <a:ext cx="5297143" cy="4603551"/>
-            <a:chOff x="2112475" y="238125"/>
-            <a:chExt cx="3395050" cy="5238750"/>
-          </a:xfrm>
-        </p:grpSpPr>
-        <p:sp>
-          <p:nvSpPr>
-            <p:cNvPr id="258" name="Google Shape;258;p28"/>
-            <p:cNvSpPr/>
-            <p:nvPr/>
-          </p:nvSpPr>
-          <p:spPr>
-            <a:xfrm>
-              <a:off x="2112475" y="238125"/>
-              <a:ext cx="3395050" cy="5238750"/>
-            </a:xfrm>
-            <a:custGeom>
-              <a:avLst/>
-              <a:gdLst/>
-              <a:ahLst/>
-              <a:cxnLst/>
-              <a:rect l="l" t="t" r="r" b="b"/>
-              <a:pathLst>
-                <a:path w="135802" h="209550" extrusionOk="0">
-                  <a:moveTo>
-                    <a:pt x="132205" y="18886"/>
-                  </a:moveTo>
-                  <a:lnTo>
-                    <a:pt x="132205" y="190364"/>
-                  </a:lnTo>
-                  <a:lnTo>
-                    <a:pt x="3597" y="190364"/>
-                  </a:lnTo>
-                  <a:lnTo>
-                    <a:pt x="3597" y="18886"/>
-                  </a:lnTo>
-                  <a:close/>
-                  <a:moveTo>
-                    <a:pt x="8019" y="0"/>
-                  </a:moveTo>
-                  <a:lnTo>
-                    <a:pt x="7270" y="75"/>
-                  </a:lnTo>
-                  <a:lnTo>
-                    <a:pt x="6445" y="150"/>
-                  </a:lnTo>
-                  <a:lnTo>
-                    <a:pt x="5696" y="375"/>
-                  </a:lnTo>
-                  <a:lnTo>
-                    <a:pt x="4946" y="600"/>
-                  </a:lnTo>
-                  <a:lnTo>
-                    <a:pt x="4197" y="974"/>
-                  </a:lnTo>
-                  <a:lnTo>
-                    <a:pt x="3522" y="1349"/>
-                  </a:lnTo>
-                  <a:lnTo>
-                    <a:pt x="2923" y="1874"/>
-                  </a:lnTo>
-                  <a:lnTo>
-                    <a:pt x="2323" y="2323"/>
-                  </a:lnTo>
-                  <a:lnTo>
-                    <a:pt x="1874" y="2923"/>
-                  </a:lnTo>
-                  <a:lnTo>
-                    <a:pt x="1349" y="3522"/>
-                  </a:lnTo>
-                  <a:lnTo>
-                    <a:pt x="974" y="4197"/>
-                  </a:lnTo>
-                  <a:lnTo>
-                    <a:pt x="600" y="4946"/>
-                  </a:lnTo>
-                  <a:lnTo>
-                    <a:pt x="375" y="5696"/>
-                  </a:lnTo>
-                  <a:lnTo>
-                    <a:pt x="150" y="6445"/>
-                  </a:lnTo>
-                  <a:lnTo>
-                    <a:pt x="75" y="7270"/>
-                  </a:lnTo>
-                  <a:lnTo>
-                    <a:pt x="0" y="8019"/>
-                  </a:lnTo>
-                  <a:lnTo>
-                    <a:pt x="0" y="201531"/>
-                  </a:lnTo>
-                  <a:lnTo>
-                    <a:pt x="75" y="202280"/>
-                  </a:lnTo>
-                  <a:lnTo>
-                    <a:pt x="150" y="203105"/>
-                  </a:lnTo>
-                  <a:lnTo>
-                    <a:pt x="375" y="203854"/>
-                  </a:lnTo>
-                  <a:lnTo>
-                    <a:pt x="600" y="204604"/>
-                  </a:lnTo>
-                  <a:lnTo>
-                    <a:pt x="974" y="205353"/>
-                  </a:lnTo>
-                  <a:lnTo>
-                    <a:pt x="1349" y="206028"/>
-                  </a:lnTo>
-                  <a:lnTo>
-                    <a:pt x="1874" y="206627"/>
-                  </a:lnTo>
-                  <a:lnTo>
-                    <a:pt x="2323" y="207227"/>
-                  </a:lnTo>
-                  <a:lnTo>
-                    <a:pt x="2923" y="207676"/>
-                  </a:lnTo>
-                  <a:lnTo>
-                    <a:pt x="3522" y="208201"/>
-                  </a:lnTo>
-                  <a:lnTo>
-                    <a:pt x="4197" y="208576"/>
-                  </a:lnTo>
-                  <a:lnTo>
-                    <a:pt x="4946" y="208950"/>
-                  </a:lnTo>
-                  <a:lnTo>
-                    <a:pt x="5696" y="209175"/>
-                  </a:lnTo>
-                  <a:lnTo>
-                    <a:pt x="6445" y="209400"/>
-                  </a:lnTo>
-                  <a:lnTo>
-                    <a:pt x="7270" y="209475"/>
-                  </a:lnTo>
-                  <a:lnTo>
-                    <a:pt x="8019" y="209550"/>
-                  </a:lnTo>
-                  <a:lnTo>
-                    <a:pt x="127783" y="209550"/>
-                  </a:lnTo>
-                  <a:lnTo>
-                    <a:pt x="128532" y="209475"/>
-                  </a:lnTo>
-                  <a:lnTo>
-                    <a:pt x="129357" y="209400"/>
-                  </a:lnTo>
-                  <a:lnTo>
-                    <a:pt x="130106" y="209175"/>
-                  </a:lnTo>
-                  <a:lnTo>
-                    <a:pt x="130856" y="208950"/>
-                  </a:lnTo>
-                  <a:lnTo>
-                    <a:pt x="131605" y="208576"/>
-                  </a:lnTo>
-                  <a:lnTo>
-                    <a:pt x="132280" y="208201"/>
-                  </a:lnTo>
-                  <a:lnTo>
-                    <a:pt x="132879" y="207676"/>
-                  </a:lnTo>
-                  <a:lnTo>
-                    <a:pt x="133479" y="207227"/>
-                  </a:lnTo>
-                  <a:lnTo>
-                    <a:pt x="133928" y="206627"/>
-                  </a:lnTo>
-                  <a:lnTo>
-                    <a:pt x="134453" y="206028"/>
-                  </a:lnTo>
-                  <a:lnTo>
-                    <a:pt x="134828" y="205353"/>
-                  </a:lnTo>
-                  <a:lnTo>
-                    <a:pt x="135202" y="204604"/>
-                  </a:lnTo>
-                  <a:lnTo>
-                    <a:pt x="135427" y="203854"/>
-                  </a:lnTo>
-                  <a:lnTo>
-                    <a:pt x="135652" y="203105"/>
-                  </a:lnTo>
-                  <a:lnTo>
-                    <a:pt x="135727" y="202280"/>
-                  </a:lnTo>
-                  <a:lnTo>
-                    <a:pt x="135802" y="201531"/>
-                  </a:lnTo>
-                  <a:lnTo>
-                    <a:pt x="135802" y="8019"/>
-                  </a:lnTo>
-                  <a:lnTo>
-                    <a:pt x="135727" y="7270"/>
-                  </a:lnTo>
-                  <a:lnTo>
-                    <a:pt x="135652" y="6445"/>
-                  </a:lnTo>
-                  <a:lnTo>
-                    <a:pt x="135427" y="5696"/>
-                  </a:lnTo>
-                  <a:lnTo>
-                    <a:pt x="135202" y="4946"/>
-                  </a:lnTo>
-                  <a:lnTo>
-                    <a:pt x="134828" y="4197"/>
-                  </a:lnTo>
-                  <a:lnTo>
-                    <a:pt x="134453" y="3522"/>
-                  </a:lnTo>
-                  <a:lnTo>
-                    <a:pt x="133928" y="2923"/>
-                  </a:lnTo>
-                  <a:lnTo>
-                    <a:pt x="133479" y="2323"/>
-                  </a:lnTo>
-                  <a:lnTo>
-                    <a:pt x="132879" y="1874"/>
-                  </a:lnTo>
-                  <a:lnTo>
-                    <a:pt x="132280" y="1349"/>
-                  </a:lnTo>
-                  <a:lnTo>
-                    <a:pt x="131605" y="974"/>
-                  </a:lnTo>
-                  <a:lnTo>
-                    <a:pt x="130856" y="600"/>
-                  </a:lnTo>
-                  <a:lnTo>
-                    <a:pt x="130106" y="375"/>
-                  </a:lnTo>
-                  <a:lnTo>
-                    <a:pt x="129357" y="150"/>
-                  </a:lnTo>
-                  <a:lnTo>
-                    <a:pt x="128532" y="75"/>
-                  </a:lnTo>
-                  <a:lnTo>
-                    <a:pt x="127783" y="0"/>
-                  </a:lnTo>
-                  <a:close/>
-                </a:path>
-              </a:pathLst>
-            </a:custGeom>
-            <a:solidFill>
-              <a:schemeClr val="dk1"/>
-            </a:solidFill>
-            <a:ln>
-              <a:noFill/>
-            </a:ln>
-          </p:spPr>
-          <p:txBody>
-            <a:bodyPr spcFirstLastPara="1" wrap="square" lIns="91425" tIns="91425" rIns="91425" bIns="91425" anchor="ctr" anchorCtr="0">
-              <a:noAutofit/>
-            </a:bodyPr>
-            <a:lstStyle/>
-            <a:p>
-              <a:pPr marL="0" lvl="0" indent="0" algn="l" rtl="0">
-                <a:spcBef>
-                  <a:spcPts val="0"/>
-                </a:spcBef>
-                <a:spcAft>
-                  <a:spcPts val="0"/>
-                </a:spcAft>
-                <a:buNone/>
-              </a:pPr>
-              <a:endParaRPr/>
-            </a:p>
-          </p:txBody>
-        </p:sp>
-        <p:sp>
-          <p:nvSpPr>
-            <p:cNvPr id="259" name="Google Shape;259;p28"/>
-            <p:cNvSpPr/>
-            <p:nvPr/>
-          </p:nvSpPr>
-          <p:spPr>
-            <a:xfrm>
-              <a:off x="3671350" y="5147100"/>
-              <a:ext cx="279175" cy="179900"/>
-            </a:xfrm>
-            <a:custGeom>
-              <a:avLst/>
-              <a:gdLst/>
-              <a:ahLst/>
-              <a:cxnLst/>
-              <a:rect l="l" t="t" r="r" b="b"/>
-              <a:pathLst>
-                <a:path w="11167" h="7196" extrusionOk="0">
-                  <a:moveTo>
-                    <a:pt x="3597" y="0"/>
-                  </a:moveTo>
-                  <a:lnTo>
-                    <a:pt x="2848" y="75"/>
-                  </a:lnTo>
-                  <a:lnTo>
-                    <a:pt x="2173" y="300"/>
-                  </a:lnTo>
-                  <a:lnTo>
-                    <a:pt x="1574" y="600"/>
-                  </a:lnTo>
-                  <a:lnTo>
-                    <a:pt x="1049" y="1050"/>
-                  </a:lnTo>
-                  <a:lnTo>
-                    <a:pt x="600" y="1574"/>
-                  </a:lnTo>
-                  <a:lnTo>
-                    <a:pt x="300" y="2174"/>
-                  </a:lnTo>
-                  <a:lnTo>
-                    <a:pt x="75" y="2848"/>
-                  </a:lnTo>
-                  <a:lnTo>
-                    <a:pt x="0" y="3598"/>
-                  </a:lnTo>
-                  <a:lnTo>
-                    <a:pt x="75" y="4347"/>
-                  </a:lnTo>
-                  <a:lnTo>
-                    <a:pt x="300" y="5022"/>
-                  </a:lnTo>
-                  <a:lnTo>
-                    <a:pt x="600" y="5621"/>
-                  </a:lnTo>
-                  <a:lnTo>
-                    <a:pt x="1049" y="6146"/>
-                  </a:lnTo>
-                  <a:lnTo>
-                    <a:pt x="1574" y="6596"/>
-                  </a:lnTo>
-                  <a:lnTo>
-                    <a:pt x="2173" y="6896"/>
-                  </a:lnTo>
-                  <a:lnTo>
-                    <a:pt x="2848" y="7120"/>
-                  </a:lnTo>
-                  <a:lnTo>
-                    <a:pt x="3597" y="7195"/>
-                  </a:lnTo>
-                  <a:lnTo>
-                    <a:pt x="7644" y="7195"/>
-                  </a:lnTo>
-                  <a:lnTo>
-                    <a:pt x="8319" y="7120"/>
-                  </a:lnTo>
-                  <a:lnTo>
-                    <a:pt x="8994" y="6896"/>
-                  </a:lnTo>
-                  <a:lnTo>
-                    <a:pt x="9593" y="6596"/>
-                  </a:lnTo>
-                  <a:lnTo>
-                    <a:pt x="10118" y="6146"/>
-                  </a:lnTo>
-                  <a:lnTo>
-                    <a:pt x="10567" y="5621"/>
-                  </a:lnTo>
-                  <a:lnTo>
-                    <a:pt x="10867" y="5022"/>
-                  </a:lnTo>
-                  <a:lnTo>
-                    <a:pt x="11092" y="4347"/>
-                  </a:lnTo>
-                  <a:lnTo>
-                    <a:pt x="11167" y="3598"/>
-                  </a:lnTo>
-                  <a:lnTo>
-                    <a:pt x="11092" y="2848"/>
-                  </a:lnTo>
-                  <a:lnTo>
-                    <a:pt x="10867" y="2174"/>
-                  </a:lnTo>
-                  <a:lnTo>
-                    <a:pt x="10567" y="1574"/>
-                  </a:lnTo>
-                  <a:lnTo>
-                    <a:pt x="10118" y="1050"/>
-                  </a:lnTo>
-                  <a:lnTo>
-                    <a:pt x="9593" y="600"/>
-                  </a:lnTo>
-                  <a:lnTo>
-                    <a:pt x="8994" y="300"/>
-                  </a:lnTo>
-                  <a:lnTo>
-                    <a:pt x="8319" y="75"/>
-                  </a:lnTo>
-                  <a:lnTo>
-                    <a:pt x="7644" y="0"/>
-                  </a:lnTo>
-                  <a:close/>
-                </a:path>
-              </a:pathLst>
-            </a:custGeom>
-            <a:solidFill>
-              <a:schemeClr val="accent4"/>
-            </a:solidFill>
-            <a:ln>
-              <a:noFill/>
-            </a:ln>
-          </p:spPr>
-          <p:txBody>
-            <a:bodyPr spcFirstLastPara="1" wrap="square" lIns="91425" tIns="91425" rIns="91425" bIns="91425" anchor="ctr" anchorCtr="0">
-              <a:noAutofit/>
-            </a:bodyPr>
-            <a:lstStyle/>
-            <a:p>
-              <a:pPr marL="0" lvl="0" indent="0" algn="l" rtl="0">
-                <a:spcBef>
-                  <a:spcPts val="0"/>
-                </a:spcBef>
-                <a:spcAft>
-                  <a:spcPts val="0"/>
-                </a:spcAft>
-                <a:buNone/>
-              </a:pPr>
-              <a:endParaRPr/>
-            </a:p>
-          </p:txBody>
-        </p:sp>
-        <p:sp>
-          <p:nvSpPr>
-            <p:cNvPr id="260" name="Google Shape;260;p28"/>
-            <p:cNvSpPr/>
-            <p:nvPr/>
-          </p:nvSpPr>
-          <p:spPr>
-            <a:xfrm>
-              <a:off x="3650725" y="446100"/>
-              <a:ext cx="54375" cy="54350"/>
-            </a:xfrm>
-            <a:custGeom>
-              <a:avLst/>
-              <a:gdLst/>
-              <a:ahLst/>
-              <a:cxnLst/>
-              <a:rect l="l" t="t" r="r" b="b"/>
-              <a:pathLst>
-                <a:path w="2175" h="2174" extrusionOk="0">
-                  <a:moveTo>
-                    <a:pt x="1125" y="0"/>
-                  </a:moveTo>
-                  <a:lnTo>
-                    <a:pt x="825" y="75"/>
-                  </a:lnTo>
-                  <a:lnTo>
-                    <a:pt x="675" y="75"/>
-                  </a:lnTo>
-                  <a:lnTo>
-                    <a:pt x="450" y="225"/>
-                  </a:lnTo>
-                  <a:lnTo>
-                    <a:pt x="300" y="300"/>
-                  </a:lnTo>
-                  <a:lnTo>
-                    <a:pt x="225" y="525"/>
-                  </a:lnTo>
-                  <a:lnTo>
-                    <a:pt x="76" y="675"/>
-                  </a:lnTo>
-                  <a:lnTo>
-                    <a:pt x="1" y="824"/>
-                  </a:lnTo>
-                  <a:lnTo>
-                    <a:pt x="1" y="1124"/>
-                  </a:lnTo>
-                  <a:lnTo>
-                    <a:pt x="1" y="1349"/>
-                  </a:lnTo>
-                  <a:lnTo>
-                    <a:pt x="76" y="1499"/>
-                  </a:lnTo>
-                  <a:lnTo>
-                    <a:pt x="225" y="1649"/>
-                  </a:lnTo>
-                  <a:lnTo>
-                    <a:pt x="300" y="1874"/>
-                  </a:lnTo>
-                  <a:lnTo>
-                    <a:pt x="450" y="2024"/>
-                  </a:lnTo>
-                  <a:lnTo>
-                    <a:pt x="675" y="2099"/>
-                  </a:lnTo>
-                  <a:lnTo>
-                    <a:pt x="825" y="2173"/>
-                  </a:lnTo>
-                  <a:lnTo>
-                    <a:pt x="1275" y="2173"/>
-                  </a:lnTo>
-                  <a:lnTo>
-                    <a:pt x="1500" y="2099"/>
-                  </a:lnTo>
-                  <a:lnTo>
-                    <a:pt x="1649" y="2024"/>
-                  </a:lnTo>
-                  <a:lnTo>
-                    <a:pt x="1799" y="1874"/>
-                  </a:lnTo>
-                  <a:lnTo>
-                    <a:pt x="1949" y="1649"/>
-                  </a:lnTo>
-                  <a:lnTo>
-                    <a:pt x="2099" y="1499"/>
-                  </a:lnTo>
-                  <a:lnTo>
-                    <a:pt x="2099" y="1349"/>
-                  </a:lnTo>
-                  <a:lnTo>
-                    <a:pt x="2174" y="1124"/>
-                  </a:lnTo>
-                  <a:lnTo>
-                    <a:pt x="2099" y="824"/>
-                  </a:lnTo>
-                  <a:lnTo>
-                    <a:pt x="2099" y="675"/>
-                  </a:lnTo>
-                  <a:lnTo>
-                    <a:pt x="1949" y="525"/>
-                  </a:lnTo>
-                  <a:lnTo>
-                    <a:pt x="1799" y="300"/>
-                  </a:lnTo>
-                  <a:lnTo>
-                    <a:pt x="1649" y="225"/>
-                  </a:lnTo>
-                  <a:lnTo>
-                    <a:pt x="1500" y="75"/>
-                  </a:lnTo>
-                  <a:lnTo>
-                    <a:pt x="1275" y="75"/>
-                  </a:lnTo>
-                  <a:lnTo>
-                    <a:pt x="1125" y="0"/>
-                  </a:lnTo>
-                  <a:close/>
-                </a:path>
-              </a:pathLst>
-            </a:custGeom>
-            <a:solidFill>
-              <a:schemeClr val="accent4"/>
-            </a:solidFill>
-            <a:ln>
-              <a:noFill/>
-            </a:ln>
-          </p:spPr>
-          <p:txBody>
-            <a:bodyPr spcFirstLastPara="1" wrap="square" lIns="91425" tIns="91425" rIns="91425" bIns="91425" anchor="ctr" anchorCtr="0">
-              <a:noAutofit/>
-            </a:bodyPr>
-            <a:lstStyle/>
-            <a:p>
-              <a:pPr marL="0" lvl="0" indent="0" algn="l" rtl="0">
-                <a:spcBef>
-                  <a:spcPts val="0"/>
-                </a:spcBef>
-                <a:spcAft>
-                  <a:spcPts val="0"/>
-                </a:spcAft>
-                <a:buNone/>
-              </a:pPr>
-              <a:endParaRPr/>
-            </a:p>
-          </p:txBody>
-        </p:sp>
-        <p:sp>
-          <p:nvSpPr>
-            <p:cNvPr id="261" name="Google Shape;261;p28"/>
-            <p:cNvSpPr/>
-            <p:nvPr/>
-          </p:nvSpPr>
-          <p:spPr>
-            <a:xfrm>
-              <a:off x="3761275" y="423600"/>
-              <a:ext cx="99325" cy="99325"/>
-            </a:xfrm>
-            <a:custGeom>
-              <a:avLst/>
-              <a:gdLst/>
-              <a:ahLst/>
-              <a:cxnLst/>
-              <a:rect l="l" t="t" r="r" b="b"/>
-              <a:pathLst>
-                <a:path w="3973" h="3973" extrusionOk="0">
-                  <a:moveTo>
-                    <a:pt x="2024" y="1"/>
-                  </a:moveTo>
-                  <a:lnTo>
-                    <a:pt x="1574" y="76"/>
-                  </a:lnTo>
-                  <a:lnTo>
-                    <a:pt x="1200" y="151"/>
-                  </a:lnTo>
-                  <a:lnTo>
-                    <a:pt x="900" y="375"/>
-                  </a:lnTo>
-                  <a:lnTo>
-                    <a:pt x="600" y="600"/>
-                  </a:lnTo>
-                  <a:lnTo>
-                    <a:pt x="375" y="900"/>
-                  </a:lnTo>
-                  <a:lnTo>
-                    <a:pt x="150" y="1200"/>
-                  </a:lnTo>
-                  <a:lnTo>
-                    <a:pt x="75" y="1575"/>
-                  </a:lnTo>
-                  <a:lnTo>
-                    <a:pt x="0" y="2024"/>
-                  </a:lnTo>
-                  <a:lnTo>
-                    <a:pt x="75" y="2399"/>
-                  </a:lnTo>
-                  <a:lnTo>
-                    <a:pt x="150" y="2774"/>
-                  </a:lnTo>
-                  <a:lnTo>
-                    <a:pt x="375" y="3073"/>
-                  </a:lnTo>
-                  <a:lnTo>
-                    <a:pt x="600" y="3373"/>
-                  </a:lnTo>
-                  <a:lnTo>
-                    <a:pt x="900" y="3673"/>
-                  </a:lnTo>
-                  <a:lnTo>
-                    <a:pt x="1200" y="3823"/>
-                  </a:lnTo>
-                  <a:lnTo>
-                    <a:pt x="1574" y="3973"/>
-                  </a:lnTo>
-                  <a:lnTo>
-                    <a:pt x="2399" y="3973"/>
-                  </a:lnTo>
-                  <a:lnTo>
-                    <a:pt x="2773" y="3823"/>
-                  </a:lnTo>
-                  <a:lnTo>
-                    <a:pt x="3073" y="3673"/>
-                  </a:lnTo>
-                  <a:lnTo>
-                    <a:pt x="3373" y="3373"/>
-                  </a:lnTo>
-                  <a:lnTo>
-                    <a:pt x="3598" y="3073"/>
-                  </a:lnTo>
-                  <a:lnTo>
-                    <a:pt x="3823" y="2774"/>
-                  </a:lnTo>
-                  <a:lnTo>
-                    <a:pt x="3898" y="2399"/>
-                  </a:lnTo>
-                  <a:lnTo>
-                    <a:pt x="3973" y="2024"/>
-                  </a:lnTo>
-                  <a:lnTo>
-                    <a:pt x="3898" y="1575"/>
-                  </a:lnTo>
-                  <a:lnTo>
-                    <a:pt x="3823" y="1200"/>
-                  </a:lnTo>
-                  <a:lnTo>
-                    <a:pt x="3598" y="900"/>
-                  </a:lnTo>
-                  <a:lnTo>
-                    <a:pt x="3373" y="600"/>
-                  </a:lnTo>
-                  <a:lnTo>
-                    <a:pt x="3073" y="375"/>
-                  </a:lnTo>
-                  <a:lnTo>
-                    <a:pt x="2773" y="151"/>
-                  </a:lnTo>
-                  <a:lnTo>
-                    <a:pt x="2399" y="76"/>
-                  </a:lnTo>
-                  <a:lnTo>
-                    <a:pt x="2024" y="1"/>
-                  </a:lnTo>
-                  <a:close/>
-                </a:path>
-              </a:pathLst>
-            </a:custGeom>
-            <a:solidFill>
-              <a:schemeClr val="accent4"/>
-            </a:solidFill>
-            <a:ln>
-              <a:noFill/>
-            </a:ln>
-          </p:spPr>
-          <p:txBody>
-            <a:bodyPr spcFirstLastPara="1" wrap="square" lIns="91425" tIns="91425" rIns="91425" bIns="91425" anchor="ctr" anchorCtr="0">
-              <a:noAutofit/>
-            </a:bodyPr>
-            <a:lstStyle/>
-            <a:p>
-              <a:pPr marL="0" lvl="0" indent="0" algn="l" rtl="0">
-                <a:spcBef>
-                  <a:spcPts val="0"/>
-                </a:spcBef>
-                <a:spcAft>
-                  <a:spcPts val="0"/>
-                </a:spcAft>
-                <a:buNone/>
-              </a:pPr>
-              <a:endParaRPr/>
-            </a:p>
-          </p:txBody>
-        </p:sp>
-      </p:grpSp>
-      <p:pic>
-        <p:nvPicPr>
-          <p:cNvPr id="262" name="Google Shape;262;p28"/>
-          <p:cNvPicPr preferRelativeResize="0"/>
-          <p:nvPr/>
-        </p:nvPicPr>
-        <p:blipFill>
-          <a:blip r:embed="rId3">
-            <a:alphaModFix/>
-          </a:blip>
-          <a:stretch>
-            <a:fillRect/>
-          </a:stretch>
-        </p:blipFill>
-        <p:spPr>
-          <a:xfrm>
-            <a:off x="7943900" y="3903225"/>
-            <a:ext cx="874249" cy="874249"/>
-          </a:xfrm>
-          <a:prstGeom prst="rect">
-            <a:avLst/>
-          </a:prstGeom>
-          <a:noFill/>
-          <a:ln>
-            <a:noFill/>
-          </a:ln>
-        </p:spPr>
-      </p:pic>
-      <p:pic>
-        <p:nvPicPr>
-          <p:cNvPr id="3" name="Imagem 2"/>
-          <p:cNvPicPr>
-            <a:picLocks noChangeAspect="1"/>
-          </p:cNvPicPr>
-          <p:nvPr/>
-        </p:nvPicPr>
-        <p:blipFill>
-          <a:blip r:embed="rId4"/>
-          <a:stretch>
-            <a:fillRect/>
-          </a:stretch>
-        </p:blipFill>
-        <p:spPr>
-          <a:xfrm>
-            <a:off x="2686639" y="587177"/>
-            <a:ext cx="4996534" cy="3787695"/>
-          </a:xfrm>
-          <a:prstGeom prst="rect">
-            <a:avLst/>
-          </a:prstGeom>
-        </p:spPr>
-      </p:pic>
-    </p:spTree>
-    <p:extLst>
-      <p:ext uri="{BB962C8B-B14F-4D97-AF65-F5344CB8AC3E}">
-        <p14:creationId xmlns:p14="http://schemas.microsoft.com/office/powerpoint/2010/main" val="4139434503"/>
-      </p:ext>
-    </p:extLst>
-  </p:cSld>
-  <p:clrMapOvr>
-    <a:masterClrMapping/>
-  </p:clrMapOvr>
-</p:sld>
-</file>
-
-<file path=ppt/slides/slide14.xml><?xml version="1.0" encoding="utf-8"?>
-<p:sld xmlns:a="http://schemas.openxmlformats.org/drawingml/2006/main" xmlns:r="http://schemas.openxmlformats.org/officeDocument/2006/relationships" xmlns:p="http://schemas.openxmlformats.org/presentationml/2006/main">
-  <p:cSld>
-    <p:spTree>
-      <p:nvGrpSpPr>
-        <p:cNvPr id="1" name="Shape 76"/>
-        <p:cNvGrpSpPr/>
-        <p:nvPr/>
-      </p:nvGrpSpPr>
-      <p:grpSpPr>
-        <a:xfrm>
-          <a:off x="0" y="0"/>
-          <a:ext cx="0" cy="0"/>
-          <a:chOff x="0" y="0"/>
-          <a:chExt cx="0" cy="0"/>
-        </a:xfrm>
-      </p:grpSpPr>
-      <p:sp>
-        <p:nvSpPr>
-          <p:cNvPr id="77" name="Google Shape;77;p13"/>
-          <p:cNvSpPr/>
-          <p:nvPr/>
-        </p:nvSpPr>
-        <p:spPr>
-          <a:xfrm>
-            <a:off x="0" y="11289"/>
-            <a:ext cx="9144000" cy="1965000"/>
-          </a:xfrm>
-          <a:prstGeom prst="rect">
-            <a:avLst/>
-          </a:prstGeom>
-          <a:solidFill>
-            <a:srgbClr val="62AE8E"/>
-          </a:solidFill>
-          <a:ln>
-            <a:noFill/>
-          </a:ln>
-        </p:spPr>
-        <p:txBody>
-          <a:bodyPr spcFirstLastPara="1" wrap="square" lIns="91425" tIns="91425" rIns="91425" bIns="91425" anchor="ctr" anchorCtr="0">
-            <a:noAutofit/>
-          </a:bodyPr>
-          <a:lstStyle/>
-          <a:p>
-            <a:pPr marL="0" lvl="0" indent="0" algn="l" rtl="0">
-              <a:spcBef>
-                <a:spcPts val="0"/>
-              </a:spcBef>
-              <a:spcAft>
-                <a:spcPts val="0"/>
-              </a:spcAft>
-              <a:buNone/>
-            </a:pPr>
-            <a:endParaRPr/>
-          </a:p>
-        </p:txBody>
-      </p:sp>
-      <p:sp>
-        <p:nvSpPr>
-          <p:cNvPr id="78" name="Google Shape;78;p13"/>
-          <p:cNvSpPr txBox="1">
-            <a:spLocks noGrp="1"/>
-          </p:cNvSpPr>
-          <p:nvPr>
-            <p:ph type="ctrTitle" idx="4294967295"/>
-          </p:nvPr>
-        </p:nvSpPr>
-        <p:spPr>
-          <a:xfrm>
-            <a:off x="0" y="11289"/>
-            <a:ext cx="9144000" cy="1959222"/>
-          </a:xfrm>
-          <a:prstGeom prst="rect">
-            <a:avLst/>
-          </a:prstGeom>
-        </p:spPr>
-        <p:txBody>
-          <a:bodyPr spcFirstLastPara="1" wrap="square" lIns="91425" tIns="91425" rIns="91425" bIns="91425" anchor="ctr" anchorCtr="0">
-            <a:noAutofit/>
-          </a:bodyPr>
-          <a:lstStyle/>
-          <a:p>
-            <a:pPr marL="0" lvl="0" indent="0" algn="ctr" rtl="0">
-              <a:spcBef>
-                <a:spcPts val="0"/>
-              </a:spcBef>
-              <a:spcAft>
-                <a:spcPts val="0"/>
-              </a:spcAft>
-              <a:buNone/>
-            </a:pPr>
-            <a:r>
-              <a:rPr lang="pt-BR" sz="7200" b="0" dirty="0">
-                <a:solidFill>
-                  <a:schemeClr val="lt1"/>
-                </a:solidFill>
-                <a:latin typeface="Aquawax Pro UltraBold" panose="02000003020000020004" pitchFamily="50" charset="0"/>
-              </a:rPr>
-              <a:t>Adaptação cliente</a:t>
-            </a:r>
-            <a:endParaRPr sz="7200" b="0" dirty="0">
-              <a:solidFill>
-                <a:schemeClr val="lt1"/>
-              </a:solidFill>
-              <a:latin typeface="Aquawax Pro UltraBold" panose="02000003020000020004" pitchFamily="50" charset="0"/>
-            </a:endParaRPr>
-          </a:p>
-        </p:txBody>
-      </p:sp>
-      <p:sp>
-        <p:nvSpPr>
-          <p:cNvPr id="79" name="Google Shape;79;p13"/>
-          <p:cNvSpPr txBox="1">
-            <a:spLocks noGrp="1"/>
-          </p:cNvSpPr>
-          <p:nvPr>
-            <p:ph type="subTitle" idx="4294967295"/>
-          </p:nvPr>
-        </p:nvSpPr>
-        <p:spPr>
-          <a:xfrm>
-            <a:off x="358218" y="1970511"/>
-            <a:ext cx="8785781" cy="1098909"/>
-          </a:xfrm>
-          <a:prstGeom prst="rect">
-            <a:avLst/>
-          </a:prstGeom>
-        </p:spPr>
-        <p:txBody>
-          <a:bodyPr spcFirstLastPara="1" wrap="square" lIns="91425" tIns="91425" rIns="91425" bIns="91425" anchor="t" anchorCtr="0">
-            <a:noAutofit/>
-          </a:bodyPr>
-          <a:lstStyle/>
-          <a:p>
-            <a:pPr marL="0" lvl="0" indent="0" algn="l" rtl="0">
-              <a:spcBef>
-                <a:spcPts val="600"/>
-              </a:spcBef>
-              <a:spcAft>
-                <a:spcPts val="0"/>
-              </a:spcAft>
-              <a:buNone/>
-            </a:pPr>
-            <a:r>
-              <a:rPr lang="en" sz="4000" dirty="0">
-                <a:latin typeface="Aquawax Pro Bold" panose="02000003020000020004" pitchFamily="50" charset="0"/>
-              </a:rPr>
-              <a:t>O que muda no seu sistema?</a:t>
-            </a:r>
-            <a:endParaRPr sz="4000" dirty="0">
-              <a:latin typeface="Aquawax Pro Bold" panose="02000003020000020004" pitchFamily="50" charset="0"/>
-            </a:endParaRPr>
-          </a:p>
-        </p:txBody>
-      </p:sp>
-      <p:sp>
-        <p:nvSpPr>
-          <p:cNvPr id="80" name="Google Shape;80;p13"/>
-          <p:cNvSpPr txBox="1">
-            <a:spLocks noGrp="1"/>
-          </p:cNvSpPr>
-          <p:nvPr>
-            <p:ph type="body" idx="4294967295"/>
-          </p:nvPr>
-        </p:nvSpPr>
-        <p:spPr>
-          <a:xfrm>
-            <a:off x="358219" y="3178398"/>
-            <a:ext cx="7654565" cy="1850244"/>
-          </a:xfrm>
-          <a:prstGeom prst="rect">
-            <a:avLst/>
-          </a:prstGeom>
-        </p:spPr>
-        <p:txBody>
-          <a:bodyPr spcFirstLastPara="1" wrap="square" lIns="91425" tIns="91425" rIns="91425" bIns="91425" anchor="t" anchorCtr="0">
-            <a:noAutofit/>
-          </a:bodyPr>
-          <a:lstStyle/>
-          <a:p>
-            <a:pPr marL="342900" indent="-342900">
-              <a:spcBef>
-                <a:spcPts val="0"/>
-              </a:spcBef>
-            </a:pPr>
-            <a:r>
-              <a:rPr lang="pt-BR" sz="2000" dirty="0">
-                <a:latin typeface="Aquawax Pro Light" panose="02000003020000020004" pitchFamily="50" charset="0"/>
-              </a:rPr>
-              <a:t>Embutir componente do CFM</a:t>
-            </a:r>
-          </a:p>
-          <a:p>
-            <a:pPr marL="342900" indent="-342900">
-              <a:spcBef>
-                <a:spcPts val="0"/>
-              </a:spcBef>
-            </a:pPr>
-            <a:r>
-              <a:rPr lang="pt-BR" sz="2000" dirty="0">
-                <a:latin typeface="Aquawax Pro Light" panose="02000003020000020004" pitchFamily="50" charset="0"/>
-              </a:rPr>
-              <a:t>Enviar dados da integração</a:t>
-            </a:r>
-          </a:p>
-          <a:p>
-            <a:pPr marL="342900" indent="-342900">
-              <a:spcBef>
-                <a:spcPts val="0"/>
-              </a:spcBef>
-            </a:pPr>
-            <a:r>
-              <a:rPr lang="pt-BR" sz="2000" dirty="0">
-                <a:latin typeface="Aquawax Pro Light" panose="02000003020000020004" pitchFamily="50" charset="0"/>
-              </a:rPr>
-              <a:t>Receber PDF assinado</a:t>
-            </a:r>
-            <a:endParaRPr sz="2000" dirty="0">
-              <a:latin typeface="Aquawax Pro Light" panose="02000003020000020004" pitchFamily="50" charset="0"/>
-            </a:endParaRPr>
-          </a:p>
-        </p:txBody>
-      </p:sp>
-      <p:sp>
-        <p:nvSpPr>
-          <p:cNvPr id="81" name="Google Shape;81;p13"/>
-          <p:cNvSpPr/>
-          <p:nvPr/>
-        </p:nvSpPr>
-        <p:spPr>
-          <a:xfrm>
-            <a:off x="813273" y="3075198"/>
-            <a:ext cx="1533600" cy="103200"/>
-          </a:xfrm>
-          <a:prstGeom prst="rect">
-            <a:avLst/>
-          </a:prstGeom>
-          <a:solidFill>
-            <a:schemeClr val="dk1"/>
-          </a:solidFill>
-          <a:ln>
-            <a:noFill/>
-          </a:ln>
-        </p:spPr>
-        <p:txBody>
-          <a:bodyPr spcFirstLastPara="1" wrap="square" lIns="91425" tIns="91425" rIns="91425" bIns="91425" anchor="ctr" anchorCtr="0">
-            <a:noAutofit/>
-          </a:bodyPr>
-          <a:lstStyle/>
-          <a:p>
-            <a:pPr marL="0" lvl="0" indent="0" algn="l" rtl="0">
-              <a:spcBef>
-                <a:spcPts val="0"/>
-              </a:spcBef>
-              <a:spcAft>
-                <a:spcPts val="0"/>
-              </a:spcAft>
-              <a:buNone/>
-            </a:pPr>
-            <a:endParaRPr>
-              <a:solidFill>
-                <a:srgbClr val="454F5B"/>
-              </a:solidFill>
-            </a:endParaRPr>
-          </a:p>
-        </p:txBody>
-      </p:sp>
-      <p:sp>
-        <p:nvSpPr>
-          <p:cNvPr id="82" name="Google Shape;82;p13"/>
-          <p:cNvSpPr txBox="1">
-            <a:spLocks noGrp="1"/>
-          </p:cNvSpPr>
-          <p:nvPr>
-            <p:ph type="sldNum" idx="12"/>
-          </p:nvPr>
-        </p:nvSpPr>
-        <p:spPr>
-          <a:xfrm>
-            <a:off x="4297650" y="4777483"/>
-            <a:ext cx="548700" cy="309000"/>
-          </a:xfrm>
-          <a:prstGeom prst="rect">
-            <a:avLst/>
-          </a:prstGeom>
-        </p:spPr>
-        <p:txBody>
-          <a:bodyPr spcFirstLastPara="1" wrap="square" lIns="91425" tIns="91425" rIns="91425" bIns="91425" anchor="t" anchorCtr="0">
-            <a:noAutofit/>
-          </a:bodyPr>
-          <a:lstStyle/>
-          <a:p>
-            <a:pPr marL="0" lvl="0" indent="0" algn="ctr" rtl="0">
-              <a:spcBef>
-                <a:spcPts val="0"/>
-              </a:spcBef>
-              <a:spcAft>
-                <a:spcPts val="0"/>
-              </a:spcAft>
-              <a:buNone/>
-            </a:pPr>
-            <a:fld id="{00000000-1234-1234-1234-123412341234}" type="slidenum">
-              <a:rPr lang="en"/>
-              <a:t>14</a:t>
-            </a:fld>
-            <a:endParaRPr/>
-          </a:p>
-        </p:txBody>
-      </p:sp>
-      <p:pic>
-        <p:nvPicPr>
-          <p:cNvPr id="83" name="Google Shape;83;p13"/>
-          <p:cNvPicPr preferRelativeResize="0"/>
-          <p:nvPr/>
-        </p:nvPicPr>
-        <p:blipFill>
-          <a:blip r:embed="rId3">
-            <a:alphaModFix/>
-          </a:blip>
-          <a:stretch>
-            <a:fillRect/>
-          </a:stretch>
-        </p:blipFill>
-        <p:spPr>
-          <a:xfrm>
-            <a:off x="7943900" y="3903225"/>
-            <a:ext cx="874249" cy="874249"/>
-          </a:xfrm>
-          <a:prstGeom prst="rect">
-            <a:avLst/>
-          </a:prstGeom>
-          <a:noFill/>
-          <a:ln>
-            <a:noFill/>
-          </a:ln>
-        </p:spPr>
-      </p:pic>
-    </p:spTree>
-    <p:extLst>
-      <p:ext uri="{BB962C8B-B14F-4D97-AF65-F5344CB8AC3E}">
-        <p14:creationId xmlns:p14="http://schemas.microsoft.com/office/powerpoint/2010/main" val="2123325632"/>
-      </p:ext>
-    </p:extLst>
-  </p:cSld>
-  <p:clrMapOvr>
-    <a:masterClrMapping/>
-  </p:clrMapOvr>
-</p:sld>
-</file>
-
-<file path=ppt/slides/slide15.xml><?xml version="1.0" encoding="utf-8"?>
-<p:sld xmlns:a="http://schemas.openxmlformats.org/drawingml/2006/main" xmlns:r="http://schemas.openxmlformats.org/officeDocument/2006/relationships" xmlns:p="http://schemas.openxmlformats.org/presentationml/2006/main">
-  <p:cSld>
-    <p:spTree>
-      <p:nvGrpSpPr>
-        <p:cNvPr id="1" name="Shape 76"/>
-        <p:cNvGrpSpPr/>
-        <p:nvPr/>
-      </p:nvGrpSpPr>
-      <p:grpSpPr>
-        <a:xfrm>
-          <a:off x="0" y="0"/>
-          <a:ext cx="0" cy="0"/>
-          <a:chOff x="0" y="0"/>
-          <a:chExt cx="0" cy="0"/>
-        </a:xfrm>
-      </p:grpSpPr>
-      <p:sp>
-        <p:nvSpPr>
-          <p:cNvPr id="77" name="Google Shape;77;p13"/>
-          <p:cNvSpPr/>
-          <p:nvPr/>
-        </p:nvSpPr>
-        <p:spPr>
-          <a:xfrm>
-            <a:off x="0" y="11289"/>
-            <a:ext cx="9144000" cy="1965000"/>
-          </a:xfrm>
-          <a:prstGeom prst="rect">
-            <a:avLst/>
-          </a:prstGeom>
-          <a:solidFill>
-            <a:srgbClr val="62AE8E"/>
-          </a:solidFill>
-          <a:ln>
-            <a:noFill/>
-          </a:ln>
-        </p:spPr>
-        <p:txBody>
-          <a:bodyPr spcFirstLastPara="1" wrap="square" lIns="91425" tIns="91425" rIns="91425" bIns="91425" anchor="ctr" anchorCtr="0">
-            <a:noAutofit/>
-          </a:bodyPr>
-          <a:lstStyle/>
-          <a:p>
-            <a:pPr marL="0" lvl="0" indent="0" algn="l" rtl="0">
-              <a:spcBef>
-                <a:spcPts val="0"/>
-              </a:spcBef>
-              <a:spcAft>
-                <a:spcPts val="0"/>
-              </a:spcAft>
-              <a:buNone/>
-            </a:pPr>
-            <a:endParaRPr/>
-          </a:p>
-        </p:txBody>
-      </p:sp>
-      <p:sp>
-        <p:nvSpPr>
-          <p:cNvPr id="78" name="Google Shape;78;p13"/>
-          <p:cNvSpPr txBox="1">
-            <a:spLocks noGrp="1"/>
-          </p:cNvSpPr>
-          <p:nvPr>
-            <p:ph type="ctrTitle" idx="4294967295"/>
-          </p:nvPr>
-        </p:nvSpPr>
-        <p:spPr>
-          <a:xfrm>
-            <a:off x="0" y="11289"/>
-            <a:ext cx="9144000" cy="1959222"/>
-          </a:xfrm>
-          <a:prstGeom prst="rect">
-            <a:avLst/>
-          </a:prstGeom>
-        </p:spPr>
-        <p:txBody>
-          <a:bodyPr spcFirstLastPara="1" wrap="square" lIns="91425" tIns="91425" rIns="91425" bIns="91425" anchor="ctr" anchorCtr="0">
-            <a:noAutofit/>
-          </a:bodyPr>
-          <a:lstStyle/>
-          <a:p>
-            <a:pPr marL="0" lvl="0" indent="0" algn="ctr" rtl="0">
-              <a:spcBef>
-                <a:spcPts val="0"/>
-              </a:spcBef>
-              <a:spcAft>
-                <a:spcPts val="0"/>
-              </a:spcAft>
-              <a:buNone/>
-            </a:pPr>
-            <a:r>
-              <a:rPr lang="pt-BR" sz="7200" b="0" dirty="0">
-                <a:solidFill>
-                  <a:schemeClr val="lt1"/>
-                </a:solidFill>
-                <a:latin typeface="Aquawax Pro UltraBold" panose="02000003020000020004" pitchFamily="50" charset="0"/>
-              </a:rPr>
-              <a:t>Envio dos dados</a:t>
-            </a:r>
-            <a:endParaRPr sz="7200" b="0" dirty="0">
-              <a:solidFill>
-                <a:schemeClr val="lt1"/>
-              </a:solidFill>
-              <a:latin typeface="Aquawax Pro UltraBold" panose="02000003020000020004" pitchFamily="50" charset="0"/>
-            </a:endParaRPr>
-          </a:p>
-        </p:txBody>
-      </p:sp>
-      <p:sp>
-        <p:nvSpPr>
-          <p:cNvPr id="79" name="Google Shape;79;p13"/>
-          <p:cNvSpPr txBox="1">
-            <a:spLocks noGrp="1"/>
-          </p:cNvSpPr>
-          <p:nvPr>
-            <p:ph type="subTitle" idx="4294967295"/>
-          </p:nvPr>
-        </p:nvSpPr>
-        <p:spPr>
-          <a:xfrm>
-            <a:off x="358218" y="1970511"/>
-            <a:ext cx="8785781" cy="1098909"/>
-          </a:xfrm>
-          <a:prstGeom prst="rect">
-            <a:avLst/>
-          </a:prstGeom>
-        </p:spPr>
-        <p:txBody>
-          <a:bodyPr spcFirstLastPara="1" wrap="square" lIns="91425" tIns="91425" rIns="91425" bIns="91425" anchor="t" anchorCtr="0">
-            <a:noAutofit/>
-          </a:bodyPr>
-          <a:lstStyle/>
-          <a:p>
-            <a:pPr marL="0" lvl="0" indent="0" algn="l" rtl="0">
-              <a:spcBef>
-                <a:spcPts val="600"/>
-              </a:spcBef>
-              <a:spcAft>
-                <a:spcPts val="0"/>
-              </a:spcAft>
-              <a:buNone/>
-            </a:pPr>
-            <a:r>
-              <a:rPr lang="en" sz="4000" dirty="0">
-                <a:latin typeface="Aquawax Pro Bold" panose="02000003020000020004" pitchFamily="50" charset="0"/>
-              </a:rPr>
-              <a:t>Quais dados devem ser enviados?</a:t>
-            </a:r>
-            <a:endParaRPr sz="4000" dirty="0">
-              <a:latin typeface="Aquawax Pro Bold" panose="02000003020000020004" pitchFamily="50" charset="0"/>
-            </a:endParaRPr>
-          </a:p>
-        </p:txBody>
-      </p:sp>
-      <p:sp>
-        <p:nvSpPr>
-          <p:cNvPr id="80" name="Google Shape;80;p13"/>
-          <p:cNvSpPr txBox="1">
-            <a:spLocks noGrp="1"/>
-          </p:cNvSpPr>
-          <p:nvPr>
-            <p:ph type="body" idx="4294967295"/>
-          </p:nvPr>
-        </p:nvSpPr>
-        <p:spPr>
-          <a:xfrm>
-            <a:off x="358219" y="3178398"/>
-            <a:ext cx="7654565" cy="1850244"/>
-          </a:xfrm>
-          <a:prstGeom prst="rect">
-            <a:avLst/>
-          </a:prstGeom>
-        </p:spPr>
-        <p:txBody>
-          <a:bodyPr spcFirstLastPara="1" wrap="square" lIns="91425" tIns="91425" rIns="91425" bIns="91425" anchor="t" anchorCtr="0">
-            <a:noAutofit/>
-          </a:bodyPr>
-          <a:lstStyle/>
-          <a:p>
-            <a:pPr marL="342900" indent="-342900">
-              <a:spcBef>
-                <a:spcPts val="0"/>
-              </a:spcBef>
-            </a:pPr>
-            <a:r>
-              <a:rPr lang="pt-BR" sz="2000" dirty="0">
-                <a:latin typeface="Aquawax Pro Light" panose="02000003020000020004" pitchFamily="50" charset="0"/>
-              </a:rPr>
-              <a:t>Informações do seu sistema ou local de atendimento</a:t>
-            </a:r>
-          </a:p>
-          <a:p>
-            <a:pPr marL="342900" indent="-342900">
-              <a:spcBef>
-                <a:spcPts val="0"/>
-              </a:spcBef>
-            </a:pPr>
-            <a:r>
-              <a:rPr lang="pt-BR" sz="2000" dirty="0">
-                <a:latin typeface="Aquawax Pro Light" panose="02000003020000020004" pitchFamily="50" charset="0"/>
-              </a:rPr>
-              <a:t>Dados do paciente</a:t>
-            </a:r>
-          </a:p>
-          <a:p>
-            <a:pPr marL="342900" indent="-342900">
-              <a:spcBef>
-                <a:spcPts val="0"/>
-              </a:spcBef>
-            </a:pPr>
-            <a:r>
-              <a:rPr lang="pt-BR" sz="2000" dirty="0">
-                <a:latin typeface="Aquawax Pro Light" panose="02000003020000020004" pitchFamily="50" charset="0"/>
-              </a:rPr>
-              <a:t>Lista de medicamentos sendo prescritos</a:t>
-            </a:r>
-            <a:endParaRPr sz="2000" dirty="0">
-              <a:latin typeface="Aquawax Pro Light" panose="02000003020000020004" pitchFamily="50" charset="0"/>
-            </a:endParaRPr>
-          </a:p>
-        </p:txBody>
-      </p:sp>
-      <p:sp>
-        <p:nvSpPr>
-          <p:cNvPr id="81" name="Google Shape;81;p13"/>
-          <p:cNvSpPr/>
-          <p:nvPr/>
-        </p:nvSpPr>
-        <p:spPr>
-          <a:xfrm>
-            <a:off x="813273" y="3075198"/>
-            <a:ext cx="1533600" cy="103200"/>
-          </a:xfrm>
-          <a:prstGeom prst="rect">
-            <a:avLst/>
-          </a:prstGeom>
-          <a:solidFill>
-            <a:schemeClr val="dk1"/>
-          </a:solidFill>
-          <a:ln>
-            <a:noFill/>
-          </a:ln>
-        </p:spPr>
-        <p:txBody>
-          <a:bodyPr spcFirstLastPara="1" wrap="square" lIns="91425" tIns="91425" rIns="91425" bIns="91425" anchor="ctr" anchorCtr="0">
-            <a:noAutofit/>
-          </a:bodyPr>
-          <a:lstStyle/>
-          <a:p>
-            <a:pPr marL="0" lvl="0" indent="0" algn="l" rtl="0">
-              <a:spcBef>
-                <a:spcPts val="0"/>
-              </a:spcBef>
-              <a:spcAft>
-                <a:spcPts val="0"/>
-              </a:spcAft>
-              <a:buNone/>
-            </a:pPr>
-            <a:endParaRPr>
-              <a:solidFill>
-                <a:srgbClr val="454F5B"/>
-              </a:solidFill>
-            </a:endParaRPr>
-          </a:p>
-        </p:txBody>
-      </p:sp>
-      <p:sp>
-        <p:nvSpPr>
-          <p:cNvPr id="82" name="Google Shape;82;p13"/>
-          <p:cNvSpPr txBox="1">
-            <a:spLocks noGrp="1"/>
-          </p:cNvSpPr>
-          <p:nvPr>
-            <p:ph type="sldNum" idx="12"/>
-          </p:nvPr>
-        </p:nvSpPr>
-        <p:spPr>
-          <a:xfrm>
-            <a:off x="4297650" y="4777483"/>
-            <a:ext cx="548700" cy="309000"/>
-          </a:xfrm>
-          <a:prstGeom prst="rect">
-            <a:avLst/>
-          </a:prstGeom>
-        </p:spPr>
-        <p:txBody>
-          <a:bodyPr spcFirstLastPara="1" wrap="square" lIns="91425" tIns="91425" rIns="91425" bIns="91425" anchor="t" anchorCtr="0">
-            <a:noAutofit/>
-          </a:bodyPr>
-          <a:lstStyle/>
-          <a:p>
-            <a:pPr marL="0" lvl="0" indent="0" algn="ctr" rtl="0">
-              <a:spcBef>
-                <a:spcPts val="0"/>
-              </a:spcBef>
-              <a:spcAft>
-                <a:spcPts val="0"/>
-              </a:spcAft>
-              <a:buNone/>
-            </a:pPr>
-            <a:fld id="{00000000-1234-1234-1234-123412341234}" type="slidenum">
-              <a:rPr lang="en"/>
-              <a:t>15</a:t>
-            </a:fld>
-            <a:endParaRPr/>
-          </a:p>
-        </p:txBody>
-      </p:sp>
-      <p:pic>
-        <p:nvPicPr>
-          <p:cNvPr id="83" name="Google Shape;83;p13"/>
-          <p:cNvPicPr preferRelativeResize="0"/>
-          <p:nvPr/>
-        </p:nvPicPr>
-        <p:blipFill>
-          <a:blip r:embed="rId3">
-            <a:alphaModFix/>
-          </a:blip>
-          <a:stretch>
-            <a:fillRect/>
-          </a:stretch>
-        </p:blipFill>
-        <p:spPr>
-          <a:xfrm>
-            <a:off x="7943900" y="3903225"/>
-            <a:ext cx="874249" cy="874249"/>
-          </a:xfrm>
-          <a:prstGeom prst="rect">
-            <a:avLst/>
-          </a:prstGeom>
-          <a:noFill/>
-          <a:ln>
-            <a:noFill/>
-          </a:ln>
-        </p:spPr>
-      </p:pic>
-    </p:spTree>
-    <p:extLst>
-      <p:ext uri="{BB962C8B-B14F-4D97-AF65-F5344CB8AC3E}">
-        <p14:creationId xmlns:p14="http://schemas.microsoft.com/office/powerpoint/2010/main" val="2560064837"/>
-      </p:ext>
-    </p:extLst>
-  </p:cSld>
-  <p:clrMapOvr>
-    <a:masterClrMapping/>
-  </p:clrMapOvr>
-</p:sld>
-</file>
-
-<file path=ppt/slides/slide16.xml><?xml version="1.0" encoding="utf-8"?>
 <p:sld xmlns:a="http://schemas.openxmlformats.org/drawingml/2006/main" xmlns:r="http://schemas.openxmlformats.org/officeDocument/2006/relationships" xmlns:p="http://schemas.openxmlformats.org/presentationml/2006/main">
   <p:cSld>
     <p:spTree>
@@ -8131,7 +5131,7 @@
               <a:rPr lang="pt-BR" sz="2000" dirty="0">
                 <a:latin typeface="Aquawax Pro Light" panose="02000003020000020004" pitchFamily="50" charset="0"/>
               </a:rPr>
-              <a:t>Preencher informações no seu sistema</a:t>
+              <a:t>1. Preenche as informações no seu sistema</a:t>
             </a:r>
           </a:p>
           <a:p>
@@ -8144,19 +5144,7 @@
               <a:rPr lang="pt-BR" sz="2000" dirty="0">
                 <a:latin typeface="Aquawax Pro Light" panose="02000003020000020004" pitchFamily="50" charset="0"/>
               </a:rPr>
-              <a:t>Fazer </a:t>
-            </a:r>
-            <a:r>
-              <a:rPr lang="pt-BR" sz="2000" dirty="0" err="1">
-                <a:latin typeface="Aquawax Pro Light" panose="02000003020000020004" pitchFamily="50" charset="0"/>
-              </a:rPr>
-              <a:t>login</a:t>
-            </a:r>
-            <a:r>
-              <a:rPr lang="pt-BR" sz="2000" dirty="0">
-                <a:latin typeface="Aquawax Pro Light" panose="02000003020000020004" pitchFamily="50" charset="0"/>
-              </a:rPr>
-              <a:t> uma vez</a:t>
+              <a:t>2. Clica no botão para carregar nosso componente</a:t>
             </a:r>
           </a:p>
           <a:p>
@@ -8169,7 +5157,20 @@
               <a:rPr lang="pt-BR" sz="2000" dirty="0">
                 <a:latin typeface="Aquawax Pro Light" panose="02000003020000020004" pitchFamily="50" charset="0"/>
               </a:rPr>
-              <a:t>Realizar assinatura</a:t>
+              <a:t>3. Faz login no componente apenas uma vez por dia</a:t>
+            </a:r>
+          </a:p>
+          <a:p>
+            <a:pPr marL="342900" indent="-342900">
+              <a:spcBef>
+                <a:spcPts val="0"/>
+              </a:spcBef>
+            </a:pPr>
+            <a:r>
+              <a:rPr lang="pt-BR" sz="2000" dirty="0">
+                <a:latin typeface="Aquawax Pro Light" panose="02000003020000020004" pitchFamily="50" charset="0"/>
+              </a:rPr>
+              <a:t>4. Visualiza o documento e realizar a assinatura digital</a:t>
             </a:r>
           </a:p>
         </p:txBody>
@@ -8254,7 +5255,7 @@
             </a:pPr>
             <a:fld id="{00000000-1234-1234-1234-123412341234}" type="slidenum">
               <a:rPr lang="en"/>
-              <a:t>16</a:t>
+              <a:t>12</a:t>
             </a:fld>
             <a:endParaRPr/>
           </a:p>
@@ -8301,7 +5302,7 @@
 </p:sld>
 </file>
 
-<file path=ppt/slides/slide17.xml><?xml version="1.0" encoding="utf-8"?>
+<file path=ppt/slides/slide13.xml><?xml version="1.0" encoding="utf-8"?>
 <p:sld xmlns:a="http://schemas.openxmlformats.org/drawingml/2006/main" xmlns:r="http://schemas.openxmlformats.org/officeDocument/2006/relationships" xmlns:p="http://schemas.openxmlformats.org/presentationml/2006/main">
   <p:cSld>
     <p:spTree>
@@ -8439,7 +5440,7 @@
             </a:pPr>
             <a:fld id="{00000000-1234-1234-1234-123412341234}" type="slidenum">
               <a:rPr lang="en"/>
-              <a:t>17</a:t>
+              <a:t>13</a:t>
             </a:fld>
             <a:endParaRPr/>
           </a:p>
@@ -8854,7 +5855,7 @@
 </p:sld>
 </file>
 
-<file path=ppt/slides/slide18.xml><?xml version="1.0" encoding="utf-8"?>
+<file path=ppt/slides/slide14.xml><?xml version="1.0" encoding="utf-8"?>
 <p:sld xmlns:a="http://schemas.openxmlformats.org/drawingml/2006/main" xmlns:r="http://schemas.openxmlformats.org/officeDocument/2006/relationships" xmlns:p="http://schemas.openxmlformats.org/presentationml/2006/main">
   <p:cSld>
     <p:spTree>
@@ -9040,13 +6041,13 @@
               </a:spcBef>
             </a:pPr>
             <a:r>
-              <a:rPr lang="pt-BR" sz="1600" dirty="0">
+              <a:rPr lang="pt-BR" sz="1800" dirty="0">
                 <a:latin typeface="Aquawax Pro Light" panose="02000003020000020004" pitchFamily="50" charset="0"/>
               </a:rPr>
               <a:t>Acessar a documentação do desenvolvedor:</a:t>
             </a:r>
             <a:br>
-              <a:rPr lang="pt-BR" sz="1600" dirty="0">
+              <a:rPr lang="pt-BR" sz="1800" dirty="0">
                 <a:latin typeface="Aquawax Pro Light" panose="02000003020000020004" pitchFamily="50" charset="0"/>
               </a:rPr>
             </a:br>
@@ -9080,7 +6081,7 @@
               </a:spcBef>
             </a:pPr>
             <a:r>
-              <a:rPr lang="pt-BR" sz="1600" dirty="0">
+              <a:rPr lang="pt-BR" sz="1800" dirty="0">
                 <a:latin typeface="Aquawax Pro Light" panose="02000003020000020004" pitchFamily="50" charset="0"/>
               </a:rPr>
               <a:t>Testar no ambiente de simulação</a:t>
@@ -9093,10 +6094,10 @@
               </a:spcBef>
             </a:pPr>
             <a:r>
-              <a:rPr lang="pt-BR" sz="1600" dirty="0">
+              <a:rPr lang="pt-BR" sz="1800" dirty="0">
                 <a:latin typeface="Aquawax Pro Light" panose="02000003020000020004" pitchFamily="50" charset="0"/>
               </a:rPr>
-              <a:t>Formalização do ACT – Acordo de Cooperação Técnica</a:t>
+              <a:t>Formalizar o ACT – Acordo de Cooperação Técnica</a:t>
             </a:r>
           </a:p>
           <a:p>
@@ -9106,10 +6107,10 @@
               </a:spcBef>
             </a:pPr>
             <a:r>
-              <a:rPr lang="pt-BR" sz="1600" dirty="0">
+              <a:rPr lang="pt-BR" sz="1800" dirty="0">
                 <a:latin typeface="Aquawax Pro Light" panose="02000003020000020004" pitchFamily="50" charset="0"/>
               </a:rPr>
-              <a:t>Cadastrar sua aplicação no CFM</a:t>
+              <a:t>Cadastrar sua aplicação no CFM e testar no ambiente de homologação</a:t>
             </a:r>
           </a:p>
           <a:p>
@@ -9119,20 +6120,7 @@
               </a:spcBef>
             </a:pPr>
             <a:r>
-              <a:rPr lang="pt-BR" sz="1600" dirty="0">
-                <a:latin typeface="Aquawax Pro Light" panose="02000003020000020004" pitchFamily="50" charset="0"/>
-              </a:rPr>
-              <a:t>Testar no ambiente de homologação</a:t>
-            </a:r>
-          </a:p>
-          <a:p>
-            <a:pPr marL="342900" indent="-342900">
-              <a:spcBef>
-                <a:spcPts val="0"/>
-              </a:spcBef>
-            </a:pPr>
-            <a:r>
-              <a:rPr lang="pt-BR" sz="1600" dirty="0">
+              <a:rPr lang="pt-BR" sz="1800" dirty="0">
                 <a:latin typeface="Aquawax Pro Light" panose="02000003020000020004" pitchFamily="50" charset="0"/>
               </a:rPr>
               <a:t>Publicar em produção</a:t>
@@ -9220,7 +6208,7 @@
             </a:pPr>
             <a:fld id="{00000000-1234-1234-1234-123412341234}" type="slidenum">
               <a:rPr lang="en"/>
-              <a:t>18</a:t>
+              <a:t>14</a:t>
             </a:fld>
             <a:endParaRPr/>
           </a:p>
@@ -9267,7 +6255,7 @@
 </p:sld>
 </file>
 
-<file path=ppt/slides/slide19.xml><?xml version="1.0" encoding="utf-8"?>
+<file path=ppt/slides/slide15.xml><?xml version="1.0" encoding="utf-8"?>
 <p:sld xmlns:a="http://schemas.openxmlformats.org/drawingml/2006/main" xmlns:r="http://schemas.openxmlformats.org/officeDocument/2006/relationships" xmlns:p="http://schemas.openxmlformats.org/presentationml/2006/main">
   <p:cSld>
     <p:spTree>
@@ -10186,14 +7174,11 @@
               </a:spcBef>
             </a:pPr>
             <a:r>
-              <a:rPr lang="pt-BR" sz="2000" dirty="0" err="1">
+              <a:rPr lang="pt-BR" sz="2000" dirty="0">
                 <a:latin typeface="Aquawax Pro Light" panose="02000003020000020004" pitchFamily="50" charset="0"/>
               </a:rPr>
-              <a:t>Login</a:t>
+              <a:t>1. Médico realiza o Login</a:t>
             </a:r>
-            <a:endParaRPr lang="pt-BR" sz="2000" dirty="0">
-              <a:latin typeface="Aquawax Pro Light" panose="02000003020000020004" pitchFamily="50" charset="0"/>
-            </a:endParaRPr>
           </a:p>
           <a:p>
             <a:pPr marL="342900" indent="-342900">
@@ -10205,7 +7190,7 @@
               <a:rPr lang="pt-BR" sz="2000" dirty="0">
                 <a:latin typeface="Aquawax Pro Light" panose="02000003020000020004" pitchFamily="50" charset="0"/>
               </a:rPr>
-              <a:t>Sessão de assinatura</a:t>
+              <a:t>2. Ativa a Sessão de Assinaturas</a:t>
             </a:r>
           </a:p>
           <a:p>
@@ -10218,7 +7203,7 @@
               <a:rPr lang="pt-BR" sz="2000" dirty="0">
                 <a:latin typeface="Aquawax Pro Light" panose="02000003020000020004" pitchFamily="50" charset="0"/>
               </a:rPr>
-              <a:t>Cadastro de locais de atendimento</a:t>
+              <a:t>3. Cadastra a Unidade de Atendimento</a:t>
             </a:r>
           </a:p>
           <a:p>
@@ -10231,7 +7216,7 @@
               <a:rPr lang="pt-BR" sz="2000" dirty="0">
                 <a:latin typeface="Aquawax Pro Light" panose="02000003020000020004" pitchFamily="50" charset="0"/>
               </a:rPr>
-              <a:t>Cadastro de pacientes</a:t>
+              <a:t>4. Cadastra o Paciente</a:t>
             </a:r>
           </a:p>
           <a:p>
@@ -10244,7 +7229,7 @@
               <a:rPr lang="pt-BR" sz="2000" dirty="0">
                 <a:latin typeface="Aquawax Pro Light" panose="02000003020000020004" pitchFamily="50" charset="0"/>
               </a:rPr>
-              <a:t>Emissão de documentos</a:t>
+              <a:t>5. Emite os Documentos Médicos</a:t>
             </a:r>
             <a:endParaRPr sz="2000" dirty="0">
               <a:latin typeface="Aquawax Pro Light" panose="02000003020000020004" pitchFamily="50" charset="0"/>
@@ -10434,7 +7419,7 @@
               <a:rPr lang="pt-BR" sz="3000" b="1" dirty="0">
                 <a:latin typeface="Aquawax Pro UltraBold" panose="02000003020000020004" pitchFamily="50" charset="0"/>
               </a:rPr>
-              <a:t>Página de login</a:t>
+              <a:t>1. Página de Login</a:t>
             </a:r>
             <a:br>
               <a:rPr lang="en" sz="2000" dirty="0"/>
@@ -10949,7 +7934,7 @@
               <a:rPr lang="pt-BR" sz="3000" b="1" dirty="0">
                 <a:latin typeface="Aquawax Pro UltraBold" panose="02000003020000020004" pitchFamily="50" charset="0"/>
               </a:rPr>
-              <a:t>Ativando sessão de assinaturas</a:t>
+              <a:t>2. Ativando Sessão de Assinaturas</a:t>
             </a:r>
             <a:br>
               <a:rPr lang="en" sz="2000" dirty="0"/>
@@ -11464,7 +8449,7 @@
               <a:rPr lang="pt-BR" sz="3000" b="1" dirty="0">
                 <a:latin typeface="Aquawax Pro UltraBold" panose="02000003020000020004" pitchFamily="50" charset="0"/>
               </a:rPr>
-              <a:t>Cadastrando local de atendimento</a:t>
+              <a:t>3. Cadastrando Unidade de Atendimento</a:t>
             </a:r>
             <a:br>
               <a:rPr lang="en" sz="2000" dirty="0"/>
@@ -11979,7 +8964,7 @@
               <a:rPr lang="pt-BR" sz="3000" b="1" dirty="0">
                 <a:latin typeface="Aquawax Pro UltraBold" panose="02000003020000020004" pitchFamily="50" charset="0"/>
               </a:rPr>
-              <a:t>Cadastrando paciente</a:t>
+              <a:t>4. Cadastrando Paciente</a:t>
             </a:r>
             <a:br>
               <a:rPr lang="en" sz="2000" dirty="0"/>
@@ -12494,7 +9479,7 @@
               <a:rPr lang="pt-BR" sz="3000" b="1" dirty="0">
                 <a:latin typeface="Aquawax Pro UltraBold" panose="02000003020000020004" pitchFamily="50" charset="0"/>
               </a:rPr>
-              <a:t>Emitindo receita</a:t>
+              <a:t>5. Emitindo Documento Médico</a:t>
             </a:r>
             <a:br>
               <a:rPr lang="en" sz="2000" dirty="0"/>
